--- a/presentation/ON-CALL.pptx
+++ b/presentation/ON-CALL.pptx
@@ -4,6 +4,9 @@
   <p:sldMasterIdLst>
     <p:sldMasterId id="2147484390" r:id="rId1"/>
   </p:sldMasterIdLst>
+  <p:notesMasterIdLst>
+    <p:notesMasterId r:id="rId7"/>
+  </p:notesMasterIdLst>
   <p:sldIdLst>
     <p:sldId id="256" r:id="rId2"/>
     <p:sldId id="257" r:id="rId3"/>
@@ -108,7 +111,466 @@
       </a:defRPr>
     </a:lvl9pPr>
   </p:defaultTextStyle>
+  <p:extLst>
+    <p:ext uri="{EFAFB233-063F-42B5-8137-9DF3F51BA10A}">
+      <p15:sldGuideLst xmlns:p15="http://schemas.microsoft.com/office/powerpoint/2012/main"/>
+    </p:ext>
+  </p:extLst>
 </p:presentation>
+</file>
+
+<file path=ppt/commentAuthors.xml><?xml version="1.0" encoding="utf-8"?>
+<p:cmAuthorLst xmlns:a="http://schemas.openxmlformats.org/drawingml/2006/main" xmlns:r="http://schemas.openxmlformats.org/officeDocument/2006/relationships" xmlns:p="http://schemas.openxmlformats.org/presentationml/2006/main">
+  <p:cmAuthor id="1" name="Noaluk" initials="N" lastIdx="1" clrIdx="0">
+    <p:extLst>
+      <p:ext uri="{19B8F6BF-5375-455C-9EA6-DF929625EA0E}">
+        <p15:presenceInfo xmlns:p15="http://schemas.microsoft.com/office/powerpoint/2012/main" userId="Noaluk" providerId="None"/>
+      </p:ext>
+    </p:extLst>
+  </p:cmAuthor>
+</p:cmAuthorLst>
+</file>
+
+<file path=ppt/notesMasters/notesMaster1.xml><?xml version="1.0" encoding="utf-8"?>
+<p:notesMaster xmlns:a="http://schemas.openxmlformats.org/drawingml/2006/main" xmlns:r="http://schemas.openxmlformats.org/officeDocument/2006/relationships" xmlns:p="http://schemas.openxmlformats.org/presentationml/2006/main">
+  <p:cSld>
+    <p:bg>
+      <p:bgRef idx="1001">
+        <a:schemeClr val="bg1"/>
+      </p:bgRef>
+    </p:bg>
+    <p:spTree>
+      <p:nvGrpSpPr>
+        <p:cNvPr id="1" name=""/>
+        <p:cNvGrpSpPr/>
+        <p:nvPr/>
+      </p:nvGrpSpPr>
+      <p:grpSpPr>
+        <a:xfrm>
+          <a:off x="0" y="0"/>
+          <a:ext cx="0" cy="0"/>
+          <a:chOff x="0" y="0"/>
+          <a:chExt cx="0" cy="0"/>
+        </a:xfrm>
+      </p:grpSpPr>
+      <p:sp>
+        <p:nvSpPr>
+          <p:cNvPr id="2" name="Header Placeholder 1"/>
+          <p:cNvSpPr>
+            <a:spLocks noGrp="1"/>
+          </p:cNvSpPr>
+          <p:nvPr>
+            <p:ph type="hdr" sz="quarter"/>
+          </p:nvPr>
+        </p:nvSpPr>
+        <p:spPr>
+          <a:xfrm>
+            <a:off x="0" y="0"/>
+            <a:ext cx="2971800" cy="458788"/>
+          </a:xfrm>
+          <a:prstGeom prst="rect">
+            <a:avLst/>
+          </a:prstGeom>
+        </p:spPr>
+        <p:txBody>
+          <a:bodyPr vert="horz" lIns="91440" tIns="45720" rIns="91440" bIns="45720" rtlCol="0"/>
+          <a:lstStyle>
+            <a:lvl1pPr algn="l">
+              <a:defRPr sz="1200"/>
+            </a:lvl1pPr>
+          </a:lstStyle>
+          <a:p>
+            <a:endParaRPr lang="en-US"/>
+          </a:p>
+        </p:txBody>
+      </p:sp>
+      <p:sp>
+        <p:nvSpPr>
+          <p:cNvPr id="3" name="Date Placeholder 2"/>
+          <p:cNvSpPr>
+            <a:spLocks noGrp="1"/>
+          </p:cNvSpPr>
+          <p:nvPr>
+            <p:ph type="dt" idx="1"/>
+          </p:nvPr>
+        </p:nvSpPr>
+        <p:spPr>
+          <a:xfrm>
+            <a:off x="3884613" y="0"/>
+            <a:ext cx="2971800" cy="458788"/>
+          </a:xfrm>
+          <a:prstGeom prst="rect">
+            <a:avLst/>
+          </a:prstGeom>
+        </p:spPr>
+        <p:txBody>
+          <a:bodyPr vert="horz" lIns="91440" tIns="45720" rIns="91440" bIns="45720" rtlCol="0"/>
+          <a:lstStyle>
+            <a:lvl1pPr algn="r">
+              <a:defRPr sz="1200"/>
+            </a:lvl1pPr>
+          </a:lstStyle>
+          <a:p>
+            <a:fld id="{C5936BDE-3B5F-4EF5-A04E-DEE10609098B}" type="datetimeFigureOut">
+              <a:rPr lang="en-US" smtClean="0"/>
+              <a:t>25-Aug-17</a:t>
+            </a:fld>
+            <a:endParaRPr lang="en-US"/>
+          </a:p>
+        </p:txBody>
+      </p:sp>
+      <p:sp>
+        <p:nvSpPr>
+          <p:cNvPr id="4" name="Slide Image Placeholder 3"/>
+          <p:cNvSpPr>
+            <a:spLocks noGrp="1" noRot="1" noChangeAspect="1"/>
+          </p:cNvSpPr>
+          <p:nvPr>
+            <p:ph type="sldImg" idx="2"/>
+          </p:nvPr>
+        </p:nvSpPr>
+        <p:spPr>
+          <a:xfrm>
+            <a:off x="685800" y="1143000"/>
+            <a:ext cx="5486400" cy="3086100"/>
+          </a:xfrm>
+          <a:prstGeom prst="rect">
+            <a:avLst/>
+          </a:prstGeom>
+          <a:noFill/>
+          <a:ln w="12700">
+            <a:solidFill>
+              <a:prstClr val="black"/>
+            </a:solidFill>
+          </a:ln>
+        </p:spPr>
+        <p:txBody>
+          <a:bodyPr vert="horz" lIns="91440" tIns="45720" rIns="91440" bIns="45720" rtlCol="0" anchor="ctr"/>
+          <a:lstStyle/>
+          <a:p>
+            <a:endParaRPr lang="en-US"/>
+          </a:p>
+        </p:txBody>
+      </p:sp>
+      <p:sp>
+        <p:nvSpPr>
+          <p:cNvPr id="5" name="Notes Placeholder 4"/>
+          <p:cNvSpPr>
+            <a:spLocks noGrp="1"/>
+          </p:cNvSpPr>
+          <p:nvPr>
+            <p:ph type="body" sz="quarter" idx="3"/>
+          </p:nvPr>
+        </p:nvSpPr>
+        <p:spPr>
+          <a:xfrm>
+            <a:off x="685800" y="4400550"/>
+            <a:ext cx="5486400" cy="3600450"/>
+          </a:xfrm>
+          <a:prstGeom prst="rect">
+            <a:avLst/>
+          </a:prstGeom>
+        </p:spPr>
+        <p:txBody>
+          <a:bodyPr vert="horz" lIns="91440" tIns="45720" rIns="91440" bIns="45720" rtlCol="0"/>
+          <a:lstStyle/>
+          <a:p>
+            <a:pPr lvl="0"/>
+            <a:r>
+              <a:rPr lang="en-US" smtClean="0"/>
+              <a:t>Click to edit Master text styles</a:t>
+            </a:r>
+          </a:p>
+          <a:p>
+            <a:pPr lvl="1"/>
+            <a:r>
+              <a:rPr lang="en-US" smtClean="0"/>
+              <a:t>Second level</a:t>
+            </a:r>
+          </a:p>
+          <a:p>
+            <a:pPr lvl="2"/>
+            <a:r>
+              <a:rPr lang="en-US" smtClean="0"/>
+              <a:t>Third level</a:t>
+            </a:r>
+          </a:p>
+          <a:p>
+            <a:pPr lvl="3"/>
+            <a:r>
+              <a:rPr lang="en-US" smtClean="0"/>
+              <a:t>Fourth level</a:t>
+            </a:r>
+          </a:p>
+          <a:p>
+            <a:pPr lvl="4"/>
+            <a:r>
+              <a:rPr lang="en-US" smtClean="0"/>
+              <a:t>Fifth level</a:t>
+            </a:r>
+            <a:endParaRPr lang="en-US"/>
+          </a:p>
+        </p:txBody>
+      </p:sp>
+      <p:sp>
+        <p:nvSpPr>
+          <p:cNvPr id="6" name="Footer Placeholder 5"/>
+          <p:cNvSpPr>
+            <a:spLocks noGrp="1"/>
+          </p:cNvSpPr>
+          <p:nvPr>
+            <p:ph type="ftr" sz="quarter" idx="4"/>
+          </p:nvPr>
+        </p:nvSpPr>
+        <p:spPr>
+          <a:xfrm>
+            <a:off x="0" y="8685213"/>
+            <a:ext cx="2971800" cy="458787"/>
+          </a:xfrm>
+          <a:prstGeom prst="rect">
+            <a:avLst/>
+          </a:prstGeom>
+        </p:spPr>
+        <p:txBody>
+          <a:bodyPr vert="horz" lIns="91440" tIns="45720" rIns="91440" bIns="45720" rtlCol="0" anchor="b"/>
+          <a:lstStyle>
+            <a:lvl1pPr algn="l">
+              <a:defRPr sz="1200"/>
+            </a:lvl1pPr>
+          </a:lstStyle>
+          <a:p>
+            <a:endParaRPr lang="en-US"/>
+          </a:p>
+        </p:txBody>
+      </p:sp>
+      <p:sp>
+        <p:nvSpPr>
+          <p:cNvPr id="7" name="Slide Number Placeholder 6"/>
+          <p:cNvSpPr>
+            <a:spLocks noGrp="1"/>
+          </p:cNvSpPr>
+          <p:nvPr>
+            <p:ph type="sldNum" sz="quarter" idx="5"/>
+          </p:nvPr>
+        </p:nvSpPr>
+        <p:spPr>
+          <a:xfrm>
+            <a:off x="3884613" y="8685213"/>
+            <a:ext cx="2971800" cy="458787"/>
+          </a:xfrm>
+          <a:prstGeom prst="rect">
+            <a:avLst/>
+          </a:prstGeom>
+        </p:spPr>
+        <p:txBody>
+          <a:bodyPr vert="horz" lIns="91440" tIns="45720" rIns="91440" bIns="45720" rtlCol="0" anchor="b"/>
+          <a:lstStyle>
+            <a:lvl1pPr algn="r">
+              <a:defRPr sz="1200"/>
+            </a:lvl1pPr>
+          </a:lstStyle>
+          <a:p>
+            <a:fld id="{884D83B4-3AFE-40F6-96E4-F17295514825}" type="slidenum">
+              <a:rPr lang="en-US" smtClean="0"/>
+              <a:t>‹#›</a:t>
+            </a:fld>
+            <a:endParaRPr lang="en-US"/>
+          </a:p>
+        </p:txBody>
+      </p:sp>
+    </p:spTree>
+    <p:extLst>
+      <p:ext uri="{BB962C8B-B14F-4D97-AF65-F5344CB8AC3E}">
+        <p14:creationId xmlns:p14="http://schemas.microsoft.com/office/powerpoint/2010/main" val="1939125312"/>
+      </p:ext>
+    </p:extLst>
+  </p:cSld>
+  <p:clrMap bg1="lt1" tx1="dk1" bg2="lt2" tx2="dk2" accent1="accent1" accent2="accent2" accent3="accent3" accent4="accent4" accent5="accent5" accent6="accent6" hlink="hlink" folHlink="folHlink"/>
+  <p:notesStyle>
+    <a:lvl1pPr marL="0" algn="l" defTabSz="914400" rtl="0" eaLnBrk="1" latinLnBrk="0" hangingPunct="1">
+      <a:defRPr sz="1200" kern="1200">
+        <a:solidFill>
+          <a:schemeClr val="tx1"/>
+        </a:solidFill>
+        <a:latin typeface="+mn-lt"/>
+        <a:ea typeface="+mn-ea"/>
+        <a:cs typeface="+mn-cs"/>
+      </a:defRPr>
+    </a:lvl1pPr>
+    <a:lvl2pPr marL="457200" algn="l" defTabSz="914400" rtl="0" eaLnBrk="1" latinLnBrk="0" hangingPunct="1">
+      <a:defRPr sz="1200" kern="1200">
+        <a:solidFill>
+          <a:schemeClr val="tx1"/>
+        </a:solidFill>
+        <a:latin typeface="+mn-lt"/>
+        <a:ea typeface="+mn-ea"/>
+        <a:cs typeface="+mn-cs"/>
+      </a:defRPr>
+    </a:lvl2pPr>
+    <a:lvl3pPr marL="914400" algn="l" defTabSz="914400" rtl="0" eaLnBrk="1" latinLnBrk="0" hangingPunct="1">
+      <a:defRPr sz="1200" kern="1200">
+        <a:solidFill>
+          <a:schemeClr val="tx1"/>
+        </a:solidFill>
+        <a:latin typeface="+mn-lt"/>
+        <a:ea typeface="+mn-ea"/>
+        <a:cs typeface="+mn-cs"/>
+      </a:defRPr>
+    </a:lvl3pPr>
+    <a:lvl4pPr marL="1371600" algn="l" defTabSz="914400" rtl="0" eaLnBrk="1" latinLnBrk="0" hangingPunct="1">
+      <a:defRPr sz="1200" kern="1200">
+        <a:solidFill>
+          <a:schemeClr val="tx1"/>
+        </a:solidFill>
+        <a:latin typeface="+mn-lt"/>
+        <a:ea typeface="+mn-ea"/>
+        <a:cs typeface="+mn-cs"/>
+      </a:defRPr>
+    </a:lvl4pPr>
+    <a:lvl5pPr marL="1828800" algn="l" defTabSz="914400" rtl="0" eaLnBrk="1" latinLnBrk="0" hangingPunct="1">
+      <a:defRPr sz="1200" kern="1200">
+        <a:solidFill>
+          <a:schemeClr val="tx1"/>
+        </a:solidFill>
+        <a:latin typeface="+mn-lt"/>
+        <a:ea typeface="+mn-ea"/>
+        <a:cs typeface="+mn-cs"/>
+      </a:defRPr>
+    </a:lvl5pPr>
+    <a:lvl6pPr marL="2286000" algn="l" defTabSz="914400" rtl="0" eaLnBrk="1" latinLnBrk="0" hangingPunct="1">
+      <a:defRPr sz="1200" kern="1200">
+        <a:solidFill>
+          <a:schemeClr val="tx1"/>
+        </a:solidFill>
+        <a:latin typeface="+mn-lt"/>
+        <a:ea typeface="+mn-ea"/>
+        <a:cs typeface="+mn-cs"/>
+      </a:defRPr>
+    </a:lvl6pPr>
+    <a:lvl7pPr marL="2743200" algn="l" defTabSz="914400" rtl="0" eaLnBrk="1" latinLnBrk="0" hangingPunct="1">
+      <a:defRPr sz="1200" kern="1200">
+        <a:solidFill>
+          <a:schemeClr val="tx1"/>
+        </a:solidFill>
+        <a:latin typeface="+mn-lt"/>
+        <a:ea typeface="+mn-ea"/>
+        <a:cs typeface="+mn-cs"/>
+      </a:defRPr>
+    </a:lvl7pPr>
+    <a:lvl8pPr marL="3200400" algn="l" defTabSz="914400" rtl="0" eaLnBrk="1" latinLnBrk="0" hangingPunct="1">
+      <a:defRPr sz="1200" kern="1200">
+        <a:solidFill>
+          <a:schemeClr val="tx1"/>
+        </a:solidFill>
+        <a:latin typeface="+mn-lt"/>
+        <a:ea typeface="+mn-ea"/>
+        <a:cs typeface="+mn-cs"/>
+      </a:defRPr>
+    </a:lvl8pPr>
+    <a:lvl9pPr marL="3657600" algn="l" defTabSz="914400" rtl="0" eaLnBrk="1" latinLnBrk="0" hangingPunct="1">
+      <a:defRPr sz="1200" kern="1200">
+        <a:solidFill>
+          <a:schemeClr val="tx1"/>
+        </a:solidFill>
+        <a:latin typeface="+mn-lt"/>
+        <a:ea typeface="+mn-ea"/>
+        <a:cs typeface="+mn-cs"/>
+      </a:defRPr>
+    </a:lvl9pPr>
+  </p:notesStyle>
+</p:notesMaster>
+</file>
+
+<file path=ppt/notesSlides/notesSlide1.xml><?xml version="1.0" encoding="utf-8"?>
+<p:notes xmlns:a="http://schemas.openxmlformats.org/drawingml/2006/main" xmlns:r="http://schemas.openxmlformats.org/officeDocument/2006/relationships" xmlns:p="http://schemas.openxmlformats.org/presentationml/2006/main">
+  <p:cSld>
+    <p:spTree>
+      <p:nvGrpSpPr>
+        <p:cNvPr id="1" name=""/>
+        <p:cNvGrpSpPr/>
+        <p:nvPr/>
+      </p:nvGrpSpPr>
+      <p:grpSpPr>
+        <a:xfrm>
+          <a:off x="0" y="0"/>
+          <a:ext cx="0" cy="0"/>
+          <a:chOff x="0" y="0"/>
+          <a:chExt cx="0" cy="0"/>
+        </a:xfrm>
+      </p:grpSpPr>
+      <p:sp>
+        <p:nvSpPr>
+          <p:cNvPr id="2" name="Slide Image Placeholder 1"/>
+          <p:cNvSpPr>
+            <a:spLocks noGrp="1" noRot="1" noChangeAspect="1"/>
+          </p:cNvSpPr>
+          <p:nvPr>
+            <p:ph type="sldImg"/>
+          </p:nvPr>
+        </p:nvSpPr>
+        <p:spPr/>
+      </p:sp>
+      <p:sp>
+        <p:nvSpPr>
+          <p:cNvPr id="3" name="Notes Placeholder 2"/>
+          <p:cNvSpPr>
+            <a:spLocks noGrp="1"/>
+          </p:cNvSpPr>
+          <p:nvPr>
+            <p:ph type="body" idx="1"/>
+          </p:nvPr>
+        </p:nvSpPr>
+        <p:spPr/>
+        <p:txBody>
+          <a:bodyPr/>
+          <a:lstStyle/>
+          <a:p>
+            <a:r>
+              <a:rPr lang="en-US" dirty="0" smtClean="0"/>
+              <a:t>On call </a:t>
+            </a:r>
+            <a:r>
+              <a:rPr lang="he-IL" dirty="0" smtClean="0"/>
+              <a:t>מבטיחה לשלוח התראה לכל הרשומים ברדיוס 2 ק"מ ממקום האירוע ולעשות מעקב במהלכו עד סיומו.</a:t>
+            </a:r>
+            <a:endParaRPr lang="en-US" dirty="0"/>
+          </a:p>
+        </p:txBody>
+      </p:sp>
+      <p:sp>
+        <p:nvSpPr>
+          <p:cNvPr id="4" name="Slide Number Placeholder 3"/>
+          <p:cNvSpPr>
+            <a:spLocks noGrp="1"/>
+          </p:cNvSpPr>
+          <p:nvPr>
+            <p:ph type="sldNum" sz="quarter" idx="10"/>
+          </p:nvPr>
+        </p:nvSpPr>
+        <p:spPr/>
+        <p:txBody>
+          <a:bodyPr/>
+          <a:lstStyle/>
+          <a:p>
+            <a:fld id="{884D83B4-3AFE-40F6-96E4-F17295514825}" type="slidenum">
+              <a:rPr lang="en-US" smtClean="0"/>
+              <a:t>3</a:t>
+            </a:fld>
+            <a:endParaRPr lang="en-US"/>
+          </a:p>
+        </p:txBody>
+      </p:sp>
+    </p:spTree>
+    <p:extLst>
+      <p:ext uri="{BB962C8B-B14F-4D97-AF65-F5344CB8AC3E}">
+        <p14:creationId xmlns:p14="http://schemas.microsoft.com/office/powerpoint/2010/main" val="1594039215"/>
+      </p:ext>
+    </p:extLst>
+  </p:cSld>
+  <p:clrMapOvr>
+    <a:masterClrMapping/>
+  </p:clrMapOvr>
+</p:notes>
 </file>
 
 <file path=ppt/slideLayouts/slideLayout1.xml><?xml version="1.0" encoding="utf-8"?>
@@ -5887,7 +6349,6 @@
               <a:rPr lang="en-US" sz="4800" dirty="0"/>
               <a:t>IS THERE A DOCTOR ON BOARD?</a:t>
             </a:r>
-            <a:endParaRPr lang="en-US" sz="4800" dirty="0"/>
           </a:p>
         </p:txBody>
       </p:sp>
@@ -5926,41 +6387,33 @@
                 <a:ea typeface="Arial Unicode MS" panose="020B0604020202020204" pitchFamily="34" charset="-128"/>
                 <a:cs typeface="Arial Unicode MS" panose="020B0604020202020204" pitchFamily="34" charset="-128"/>
               </a:rPr>
-              <a:t>5 הדקות הראשונות של תחילת אירוע הן קריטיות</a:t>
-            </a:r>
-            <a:endParaRPr lang="en-US" sz="3200" dirty="0" smtClean="0">
-              <a:latin typeface="Arial Unicode MS" panose="020B0604020202020204" pitchFamily="34" charset="-128"/>
-              <a:ea typeface="Arial Unicode MS" panose="020B0604020202020204" pitchFamily="34" charset="-128"/>
-              <a:cs typeface="Arial Unicode MS" panose="020B0604020202020204" pitchFamily="34" charset="-128"/>
-            </a:endParaRPr>
-          </a:p>
-          <a:p>
-            <a:pPr algn="r" rtl="1"/>
+              <a:t>5 הדקות הראשונות של תחילת אירוע הן </a:t>
+            </a:r>
             <a:r>
               <a:rPr lang="he-IL" sz="3200" dirty="0" smtClean="0">
                 <a:latin typeface="Arial Unicode MS" panose="020B0604020202020204" pitchFamily="34" charset="-128"/>
                 <a:ea typeface="Arial Unicode MS" panose="020B0604020202020204" pitchFamily="34" charset="-128"/>
                 <a:cs typeface="Arial Unicode MS" panose="020B0604020202020204" pitchFamily="34" charset="-128"/>
               </a:rPr>
-              <a:t>מה </a:t>
-            </a:r>
-            <a:r>
-              <a:rPr lang="he-IL" sz="3200" b="1" dirty="0" smtClean="0">
-                <a:latin typeface="Arial Unicode MS" panose="020B0604020202020204" pitchFamily="34" charset="-128"/>
-                <a:ea typeface="Arial Unicode MS" panose="020B0604020202020204" pitchFamily="34" charset="-128"/>
-                <a:cs typeface="Arial Unicode MS" panose="020B0604020202020204" pitchFamily="34" charset="-128"/>
-              </a:rPr>
-              <a:t>אתה</a:t>
-            </a:r>
+              <a:t>קריטיות</a:t>
+            </a:r>
+            <a:endParaRPr lang="he-IL" sz="3200" dirty="0">
+              <a:latin typeface="Arial Unicode MS" panose="020B0604020202020204" pitchFamily="34" charset="-128"/>
+              <a:ea typeface="Arial Unicode MS" panose="020B0604020202020204" pitchFamily="34" charset="-128"/>
+              <a:cs typeface="Arial Unicode MS" panose="020B0604020202020204" pitchFamily="34" charset="-128"/>
+            </a:endParaRPr>
+          </a:p>
+          <a:p>
+            <a:pPr algn="r" rtl="1"/>
             <a:r>
               <a:rPr lang="he-IL" sz="3200" dirty="0" smtClean="0">
                 <a:latin typeface="Arial Unicode MS" panose="020B0604020202020204" pitchFamily="34" charset="-128"/>
                 <a:ea typeface="Arial Unicode MS" panose="020B0604020202020204" pitchFamily="34" charset="-128"/>
                 <a:cs typeface="Arial Unicode MS" panose="020B0604020202020204" pitchFamily="34" charset="-128"/>
               </a:rPr>
-              <a:t> היית עושה?</a:t>
-            </a:r>
-            <a:endParaRPr lang="en-US" sz="3200" dirty="0" smtClean="0">
+              <a:t>זמינות ההמון כמשאב לא מנוצל</a:t>
+            </a:r>
+            <a:endParaRPr lang="en-US" sz="3200" dirty="0">
               <a:latin typeface="Arial Unicode MS" panose="020B0604020202020204" pitchFamily="34" charset="-128"/>
               <a:ea typeface="Arial Unicode MS" panose="020B0604020202020204" pitchFamily="34" charset="-128"/>
               <a:cs typeface="Arial Unicode MS" panose="020B0604020202020204" pitchFamily="34" charset="-128"/>
@@ -6009,6 +6462,54 @@
           </a:extLst>
         </p:spPr>
       </p:pic>
+      <p:pic>
+        <p:nvPicPr>
+          <p:cNvPr id="6" name="Picture 5"/>
+          <p:cNvPicPr>
+            <a:picLocks noChangeAspect="1"/>
+          </p:cNvPicPr>
+          <p:nvPr/>
+        </p:nvPicPr>
+        <p:blipFill>
+          <a:blip r:embed="rId3"/>
+          <a:stretch>
+            <a:fillRect/>
+          </a:stretch>
+        </p:blipFill>
+        <p:spPr>
+          <a:xfrm>
+            <a:off x="2749495" y="3288794"/>
+            <a:ext cx="8886825" cy="3067050"/>
+          </a:xfrm>
+          <a:prstGeom prst="rect">
+            <a:avLst/>
+          </a:prstGeom>
+        </p:spPr>
+      </p:pic>
+      <p:pic>
+        <p:nvPicPr>
+          <p:cNvPr id="7" name="Picture 6"/>
+          <p:cNvPicPr>
+            <a:picLocks noChangeAspect="1"/>
+          </p:cNvPicPr>
+          <p:nvPr/>
+        </p:nvPicPr>
+        <p:blipFill>
+          <a:blip r:embed="rId4"/>
+          <a:stretch>
+            <a:fillRect/>
+          </a:stretch>
+        </p:blipFill>
+        <p:spPr>
+          <a:xfrm>
+            <a:off x="555680" y="700874"/>
+            <a:ext cx="4276725" cy="4343400"/>
+          </a:xfrm>
+          <a:prstGeom prst="rect">
+            <a:avLst/>
+          </a:prstGeom>
+        </p:spPr>
+      </p:pic>
     </p:spTree>
     <p:extLst>
       <p:ext uri="{BB962C8B-B14F-4D97-AF65-F5344CB8AC3E}">
@@ -6022,7 +6523,120 @@
   <p:timing>
     <p:tnLst>
       <p:par>
-        <p:cTn id="1" dur="indefinite" restart="never" nodeType="tmRoot"/>
+        <p:cTn id="1" dur="indefinite" restart="never" nodeType="tmRoot">
+          <p:childTnLst>
+            <p:seq concurrent="1" nextAc="seek">
+              <p:cTn id="2" dur="indefinite" nodeType="mainSeq">
+                <p:childTnLst>
+                  <p:par>
+                    <p:cTn id="3" fill="hold">
+                      <p:stCondLst>
+                        <p:cond delay="indefinite"/>
+                      </p:stCondLst>
+                      <p:childTnLst>
+                        <p:par>
+                          <p:cTn id="4" fill="hold">
+                            <p:stCondLst>
+                              <p:cond delay="0"/>
+                            </p:stCondLst>
+                            <p:childTnLst>
+                              <p:par>
+                                <p:cTn id="5" presetID="1" presetClass="entr" presetSubtype="0" fill="hold" nodeType="clickEffect">
+                                  <p:stCondLst>
+                                    <p:cond delay="0"/>
+                                  </p:stCondLst>
+                                  <p:childTnLst>
+                                    <p:set>
+                                      <p:cBhvr>
+                                        <p:cTn id="6" dur="1" fill="hold">
+                                          <p:stCondLst>
+                                            <p:cond delay="0"/>
+                                          </p:stCondLst>
+                                        </p:cTn>
+                                        <p:tgtEl>
+                                          <p:spTgt spid="6"/>
+                                        </p:tgtEl>
+                                        <p:attrNameLst>
+                                          <p:attrName>style.visibility</p:attrName>
+                                        </p:attrNameLst>
+                                      </p:cBhvr>
+                                      <p:to>
+                                        <p:strVal val="visible"/>
+                                      </p:to>
+                                    </p:set>
+                                  </p:childTnLst>
+                                </p:cTn>
+                              </p:par>
+                            </p:childTnLst>
+                          </p:cTn>
+                        </p:par>
+                      </p:childTnLst>
+                    </p:cTn>
+                  </p:par>
+                  <p:par>
+                    <p:cTn id="7" fill="hold">
+                      <p:stCondLst>
+                        <p:cond delay="indefinite"/>
+                      </p:stCondLst>
+                      <p:childTnLst>
+                        <p:par>
+                          <p:cTn id="8" fill="hold">
+                            <p:stCondLst>
+                              <p:cond delay="0"/>
+                            </p:stCondLst>
+                            <p:childTnLst>
+                              <p:par>
+                                <p:cTn id="9" presetID="1" presetClass="entr" presetSubtype="0" fill="hold" nodeType="clickEffect">
+                                  <p:stCondLst>
+                                    <p:cond delay="0"/>
+                                  </p:stCondLst>
+                                  <p:childTnLst>
+                                    <p:set>
+                                      <p:cBhvr>
+                                        <p:cTn id="10" dur="1" fill="hold">
+                                          <p:stCondLst>
+                                            <p:cond delay="0"/>
+                                          </p:stCondLst>
+                                        </p:cTn>
+                                        <p:tgtEl>
+                                          <p:spTgt spid="7"/>
+                                        </p:tgtEl>
+                                        <p:attrNameLst>
+                                          <p:attrName>style.visibility</p:attrName>
+                                        </p:attrNameLst>
+                                      </p:cBhvr>
+                                      <p:to>
+                                        <p:strVal val="visible"/>
+                                      </p:to>
+                                    </p:set>
+                                  </p:childTnLst>
+                                </p:cTn>
+                              </p:par>
+                            </p:childTnLst>
+                          </p:cTn>
+                        </p:par>
+                      </p:childTnLst>
+                    </p:cTn>
+                  </p:par>
+                </p:childTnLst>
+              </p:cTn>
+              <p:prevCondLst>
+                <p:cond evt="onPrev" delay="0">
+                  <p:tgtEl>
+                    <p:sldTgt/>
+                  </p:tgtEl>
+                </p:cond>
+              </p:prevCondLst>
+              <p:nextCondLst>
+                <p:cond evt="onNext" delay="0">
+                  <p:tgtEl>
+                    <p:sldTgt/>
+                  </p:tgtEl>
+                </p:cond>
+              </p:nextCondLst>
+            </p:seq>
+          </p:childTnLst>
+        </p:cTn>
       </p:par>
     </p:tnLst>
   </p:timing>
@@ -6056,7 +6670,12 @@
             <p:ph type="title"/>
           </p:nvPr>
         </p:nvSpPr>
-        <p:spPr/>
+        <p:spPr>
+          <a:xfrm>
+            <a:off x="2072080" y="822125"/>
+            <a:ext cx="8610600" cy="1293028"/>
+          </a:xfrm>
+        </p:spPr>
         <p:txBody>
           <a:bodyPr>
             <a:normAutofit/>
@@ -6089,26 +6708,44 @@
           </a:bodyPr>
           <a:lstStyle/>
           <a:p>
-            <a:pPr algn="r" rtl="1"/>
-            <a:r>
-              <a:rPr lang="he-IL" sz="3200" dirty="0" smtClean="0"/>
-              <a:t>מה אם כל אדם בסביבה היה כונן לזולתו?</a:t>
-            </a:r>
-          </a:p>
-          <a:p>
-            <a:pPr algn="r" rtl="1"/>
-            <a:r>
-              <a:rPr lang="en-US" sz="3200" dirty="0" smtClean="0"/>
-              <a:t>On call</a:t>
-            </a:r>
-            <a:r>
-              <a:rPr lang="he-IL" sz="3200" dirty="0" smtClean="0"/>
-              <a:t> מבטיחה לשלוח התראה לכל הרשומים ברדיוס 2 ק"מ ממקום האירוע ולעשות מעקב במהלכו עד סיומו.</a:t>
-            </a:r>
-          </a:p>
-          <a:p>
-            <a:pPr algn="r" rtl="1"/>
-            <a:endParaRPr lang="en-US" sz="3200" dirty="0" smtClean="0"/>
+            <a:pPr marL="0" indent="0" algn="ctr" rtl="1">
+              <a:buNone/>
+            </a:pPr>
+            <a:endParaRPr lang="he-IL" sz="3600" i="1" dirty="0" smtClean="0"/>
+          </a:p>
+          <a:p>
+            <a:pPr marL="0" indent="0" algn="ctr" rtl="1">
+              <a:buNone/>
+            </a:pPr>
+            <a:r>
+              <a:rPr lang="he-IL" sz="3600" i="1" dirty="0" smtClean="0"/>
+              <a:t>מה </a:t>
+            </a:r>
+            <a:r>
+              <a:rPr lang="he-IL" sz="3600" i="1" dirty="0" smtClean="0"/>
+              <a:t>אם כל </a:t>
+            </a:r>
+            <a:r>
+              <a:rPr lang="he-IL" sz="3600" i="1" dirty="0" smtClean="0"/>
+              <a:t>אדם</a:t>
+            </a:r>
+            <a:r>
+              <a:rPr lang="en-US" sz="3600" i="1" dirty="0" smtClean="0"/>
+              <a:t> </a:t>
+            </a:r>
+            <a:r>
+              <a:rPr lang="he-IL" sz="3600" i="1" dirty="0" smtClean="0"/>
+              <a:t>היה </a:t>
+            </a:r>
+            <a:r>
+              <a:rPr lang="he-IL" sz="3600" i="1" dirty="0" smtClean="0"/>
+              <a:t>כונן לזולתו</a:t>
+            </a:r>
+            <a:r>
+              <a:rPr lang="he-IL" sz="3600" i="1" dirty="0" smtClean="0"/>
+              <a:t>?</a:t>
+            </a:r>
+            <a:endParaRPr lang="he-IL" sz="3600" i="1" dirty="0" smtClean="0"/>
           </a:p>
         </p:txBody>
       </p:sp>
@@ -6121,7 +6758,7 @@
           <p:nvPr/>
         </p:nvPicPr>
         <p:blipFill>
-          <a:blip r:embed="rId2" cstate="print">
+          <a:blip r:embed="rId3" cstate="print">
             <a:extLst>
               <a:ext uri="{28A0092B-C50C-407E-A947-70E740481C1C}">
                 <a14:useLocalDpi xmlns:a14="http://schemas.microsoft.com/office/drawing/2010/main" val="0"/>
@@ -6473,7 +7110,120 @@
                 <a:ea typeface="Arial Unicode MS" panose="020B0604020202020204" pitchFamily="34" charset="-128"/>
                 <a:cs typeface="Arial Unicode MS" panose="020B0604020202020204" pitchFamily="34" charset="-128"/>
               </a:rPr>
-              <a:t> של אירועים הקרובים אלייך (עם אופציה ל-</a:t>
+              <a:t> של אירועים הקרובים </a:t>
+            </a:r>
+            <a:r>
+              <a:rPr lang="he-IL" sz="3200" dirty="0" smtClean="0">
+                <a:latin typeface="Arial Unicode MS" panose="020B0604020202020204" pitchFamily="34" charset="-128"/>
+                <a:ea typeface="Arial Unicode MS" panose="020B0604020202020204" pitchFamily="34" charset="-128"/>
+                <a:cs typeface="Arial Unicode MS" panose="020B0604020202020204" pitchFamily="34" charset="-128"/>
+              </a:rPr>
+              <a:t>אלייך</a:t>
+            </a:r>
+            <a:endParaRPr lang="he-IL" sz="3200" dirty="0" smtClean="0">
+              <a:latin typeface="Arial Unicode MS" panose="020B0604020202020204" pitchFamily="34" charset="-128"/>
+              <a:ea typeface="Arial Unicode MS" panose="020B0604020202020204" pitchFamily="34" charset="-128"/>
+              <a:cs typeface="Arial Unicode MS" panose="020B0604020202020204" pitchFamily="34" charset="-128"/>
+            </a:endParaRPr>
+          </a:p>
+          <a:p>
+            <a:pPr algn="r" rtl="1"/>
+            <a:r>
+              <a:rPr lang="he-IL" sz="3200" dirty="0" smtClean="0">
+                <a:latin typeface="Arial Unicode MS" panose="020B0604020202020204" pitchFamily="34" charset="-128"/>
+                <a:ea typeface="Arial Unicode MS" panose="020B0604020202020204" pitchFamily="34" charset="-128"/>
+                <a:cs typeface="Arial Unicode MS" panose="020B0604020202020204" pitchFamily="34" charset="-128"/>
+              </a:rPr>
+              <a:t>תדרוך תפעול </a:t>
+            </a:r>
+            <a:r>
+              <a:rPr lang="he-IL" sz="3200" dirty="0" smtClean="0">
+                <a:latin typeface="Arial Unicode MS" panose="020B0604020202020204" pitchFamily="34" charset="-128"/>
+                <a:ea typeface="Arial Unicode MS" panose="020B0604020202020204" pitchFamily="34" charset="-128"/>
+                <a:cs typeface="Arial Unicode MS" panose="020B0604020202020204" pitchFamily="34" charset="-128"/>
+              </a:rPr>
+              <a:t>במצב </a:t>
+            </a:r>
+            <a:r>
+              <a:rPr lang="he-IL" sz="3200" dirty="0" smtClean="0">
+                <a:latin typeface="Arial Unicode MS" panose="020B0604020202020204" pitchFamily="34" charset="-128"/>
+                <a:ea typeface="Arial Unicode MS" panose="020B0604020202020204" pitchFamily="34" charset="-128"/>
+                <a:cs typeface="Arial Unicode MS" panose="020B0604020202020204" pitchFamily="34" charset="-128"/>
+              </a:rPr>
+              <a:t>מצוקה</a:t>
+            </a:r>
+          </a:p>
+          <a:p>
+            <a:pPr algn="r" rtl="1"/>
+            <a:r>
+              <a:rPr lang="he-IL" sz="3200" dirty="0" smtClean="0">
+                <a:latin typeface="Arial Unicode MS" panose="020B0604020202020204" pitchFamily="34" charset="-128"/>
+                <a:ea typeface="Arial Unicode MS" panose="020B0604020202020204" pitchFamily="34" charset="-128"/>
+                <a:cs typeface="Arial Unicode MS" panose="020B0604020202020204" pitchFamily="34" charset="-128"/>
+              </a:rPr>
+              <a:t>עמוד אירוע מפורט עם </a:t>
+            </a:r>
+            <a:r>
+              <a:rPr lang="en-US" sz="3200" dirty="0" smtClean="0">
+                <a:latin typeface="Arial Unicode MS" panose="020B0604020202020204" pitchFamily="34" charset="-128"/>
+                <a:ea typeface="Arial Unicode MS" panose="020B0604020202020204" pitchFamily="34" charset="-128"/>
+                <a:cs typeface="Arial Unicode MS" panose="020B0604020202020204" pitchFamily="34" charset="-128"/>
+              </a:rPr>
+              <a:t>flow</a:t>
+            </a:r>
+            <a:r>
+              <a:rPr lang="he-IL" sz="3200" dirty="0" smtClean="0">
+                <a:latin typeface="Arial Unicode MS" panose="020B0604020202020204" pitchFamily="34" charset="-128"/>
+                <a:ea typeface="Arial Unicode MS" panose="020B0604020202020204" pitchFamily="34" charset="-128"/>
+                <a:cs typeface="Arial Unicode MS" panose="020B0604020202020204" pitchFamily="34" charset="-128"/>
+              </a:rPr>
+              <a:t> של מהלכו</a:t>
+            </a:r>
+          </a:p>
+          <a:p>
+            <a:pPr algn="r" rtl="1"/>
+            <a:r>
+              <a:rPr lang="he-IL" sz="3200" dirty="0" smtClean="0">
+                <a:latin typeface="Arial Unicode MS" panose="020B0604020202020204" pitchFamily="34" charset="-128"/>
+                <a:ea typeface="Arial Unicode MS" panose="020B0604020202020204" pitchFamily="34" charset="-128"/>
+                <a:cs typeface="Arial Unicode MS" panose="020B0604020202020204" pitchFamily="34" charset="-128"/>
+              </a:rPr>
+              <a:t>התממשקות עם גורמי חירום רלוונטיים</a:t>
+            </a:r>
+          </a:p>
+          <a:p>
+            <a:pPr algn="r" rtl="1"/>
+            <a:r>
+              <a:rPr lang="he-IL" sz="3200" dirty="0" smtClean="0">
+                <a:latin typeface="Arial Unicode MS" panose="020B0604020202020204" pitchFamily="34" charset="-128"/>
+                <a:ea typeface="Arial Unicode MS" panose="020B0604020202020204" pitchFamily="34" charset="-128"/>
+                <a:cs typeface="Arial Unicode MS" panose="020B0604020202020204" pitchFamily="34" charset="-128"/>
+              </a:rPr>
+              <a:t>סטטיסטיקות על אירועים</a:t>
+            </a:r>
+            <a:endParaRPr lang="he-IL" sz="3200" dirty="0" smtClean="0">
+              <a:latin typeface="Arial Unicode MS" panose="020B0604020202020204" pitchFamily="34" charset="-128"/>
+              <a:ea typeface="Arial Unicode MS" panose="020B0604020202020204" pitchFamily="34" charset="-128"/>
+              <a:cs typeface="Arial Unicode MS" panose="020B0604020202020204" pitchFamily="34" charset="-128"/>
+            </a:endParaRPr>
+          </a:p>
+          <a:p>
+            <a:pPr algn="r" rtl="1"/>
+            <a:r>
+              <a:rPr lang="he-IL" sz="3200" dirty="0" smtClean="0">
+                <a:latin typeface="Arial Unicode MS" panose="020B0604020202020204" pitchFamily="34" charset="-128"/>
+                <a:ea typeface="Arial Unicode MS" panose="020B0604020202020204" pitchFamily="34" charset="-128"/>
+                <a:cs typeface="Arial Unicode MS" panose="020B0604020202020204" pitchFamily="34" charset="-128"/>
+              </a:rPr>
+              <a:t>מנגנון סינון </a:t>
+            </a:r>
+            <a:r>
+              <a:rPr lang="he-IL" sz="3200" dirty="0" smtClean="0">
+                <a:latin typeface="Arial Unicode MS" panose="020B0604020202020204" pitchFamily="34" charset="-128"/>
+                <a:ea typeface="Arial Unicode MS" panose="020B0604020202020204" pitchFamily="34" charset="-128"/>
+                <a:cs typeface="Arial Unicode MS" panose="020B0604020202020204" pitchFamily="34" charset="-128"/>
+              </a:rPr>
+              <a:t>ספאם (</a:t>
             </a:r>
             <a:r>
               <a:rPr lang="en-US" sz="3200" dirty="0" smtClean="0">
@@ -6491,109 +7241,11 @@
               </a:rPr>
               <a:t>)</a:t>
             </a:r>
-          </a:p>
-          <a:p>
-            <a:pPr algn="r" rtl="1"/>
-            <a:r>
-              <a:rPr lang="he-IL" sz="3200" dirty="0" smtClean="0">
-                <a:latin typeface="Arial Unicode MS" panose="020B0604020202020204" pitchFamily="34" charset="-128"/>
-                <a:ea typeface="Arial Unicode MS" panose="020B0604020202020204" pitchFamily="34" charset="-128"/>
-                <a:cs typeface="Arial Unicode MS" panose="020B0604020202020204" pitchFamily="34" charset="-128"/>
-              </a:rPr>
-              <a:t>תדרוך תפעול מצב מצוקה</a:t>
-            </a:r>
-          </a:p>
-          <a:p>
-            <a:pPr algn="r" rtl="1"/>
-            <a:r>
-              <a:rPr lang="he-IL" sz="3200" dirty="0" smtClean="0">
-                <a:latin typeface="Arial Unicode MS" panose="020B0604020202020204" pitchFamily="34" charset="-128"/>
-                <a:ea typeface="Arial Unicode MS" panose="020B0604020202020204" pitchFamily="34" charset="-128"/>
-                <a:cs typeface="Arial Unicode MS" panose="020B0604020202020204" pitchFamily="34" charset="-128"/>
-              </a:rPr>
-              <a:t>עמוד אירוע מפורט עם </a:t>
-            </a:r>
-            <a:r>
-              <a:rPr lang="en-US" sz="3200" dirty="0" smtClean="0">
-                <a:latin typeface="Arial Unicode MS" panose="020B0604020202020204" pitchFamily="34" charset="-128"/>
-                <a:ea typeface="Arial Unicode MS" panose="020B0604020202020204" pitchFamily="34" charset="-128"/>
-                <a:cs typeface="Arial Unicode MS" panose="020B0604020202020204" pitchFamily="34" charset="-128"/>
-              </a:rPr>
-              <a:t>flow</a:t>
-            </a:r>
-            <a:r>
-              <a:rPr lang="he-IL" sz="3200" dirty="0" smtClean="0">
-                <a:latin typeface="Arial Unicode MS" panose="020B0604020202020204" pitchFamily="34" charset="-128"/>
-                <a:ea typeface="Arial Unicode MS" panose="020B0604020202020204" pitchFamily="34" charset="-128"/>
-                <a:cs typeface="Arial Unicode MS" panose="020B0604020202020204" pitchFamily="34" charset="-128"/>
-              </a:rPr>
-              <a:t> של מהלכו</a:t>
-            </a:r>
-          </a:p>
-          <a:p>
-            <a:pPr algn="r" rtl="1"/>
-            <a:r>
-              <a:rPr lang="he-IL" sz="3200" dirty="0" smtClean="0">
-                <a:latin typeface="Arial Unicode MS" panose="020B0604020202020204" pitchFamily="34" charset="-128"/>
-                <a:ea typeface="Arial Unicode MS" panose="020B0604020202020204" pitchFamily="34" charset="-128"/>
-                <a:cs typeface="Arial Unicode MS" panose="020B0604020202020204" pitchFamily="34" charset="-128"/>
-              </a:rPr>
-              <a:t>קריאה</a:t>
-            </a:r>
-            <a:r>
-              <a:rPr lang="en-US" sz="3200" dirty="0" smtClean="0">
-                <a:latin typeface="Arial Unicode MS" panose="020B0604020202020204" pitchFamily="34" charset="-128"/>
-                <a:ea typeface="Arial Unicode MS" panose="020B0604020202020204" pitchFamily="34" charset="-128"/>
-                <a:cs typeface="Arial Unicode MS" panose="020B0604020202020204" pitchFamily="34" charset="-128"/>
-              </a:rPr>
-              <a:t> </a:t>
-            </a:r>
-            <a:r>
-              <a:rPr lang="he-IL" sz="3200" dirty="0" smtClean="0">
-                <a:latin typeface="Arial Unicode MS" panose="020B0604020202020204" pitchFamily="34" charset="-128"/>
-                <a:ea typeface="Arial Unicode MS" panose="020B0604020202020204" pitchFamily="34" charset="-128"/>
-                <a:cs typeface="Arial Unicode MS" panose="020B0604020202020204" pitchFamily="34" charset="-128"/>
-              </a:rPr>
-              <a:t>והתממשקות</a:t>
-            </a:r>
-            <a:r>
-              <a:rPr lang="en-US" sz="3200" dirty="0" smtClean="0">
-                <a:latin typeface="Arial Unicode MS" panose="020B0604020202020204" pitchFamily="34" charset="-128"/>
-                <a:ea typeface="Arial Unicode MS" panose="020B0604020202020204" pitchFamily="34" charset="-128"/>
-                <a:cs typeface="Arial Unicode MS" panose="020B0604020202020204" pitchFamily="34" charset="-128"/>
-              </a:rPr>
-              <a:t> </a:t>
-            </a:r>
-            <a:r>
-              <a:rPr lang="he-IL" sz="3200" dirty="0" smtClean="0">
-                <a:latin typeface="Arial Unicode MS" panose="020B0604020202020204" pitchFamily="34" charset="-128"/>
-                <a:ea typeface="Arial Unicode MS" panose="020B0604020202020204" pitchFamily="34" charset="-128"/>
-                <a:cs typeface="Arial Unicode MS" panose="020B0604020202020204" pitchFamily="34" charset="-128"/>
-              </a:rPr>
-              <a:t>אוטומטית עם מוקדי החירום הרלוונטיים</a:t>
-            </a:r>
-          </a:p>
-          <a:p>
-            <a:pPr algn="r" rtl="1"/>
-            <a:r>
-              <a:rPr lang="he-IL" sz="3200" dirty="0" smtClean="0">
-                <a:latin typeface="Arial Unicode MS" panose="020B0604020202020204" pitchFamily="34" charset="-128"/>
-                <a:ea typeface="Arial Unicode MS" panose="020B0604020202020204" pitchFamily="34" charset="-128"/>
-                <a:cs typeface="Arial Unicode MS" panose="020B0604020202020204" pitchFamily="34" charset="-128"/>
-              </a:rPr>
-              <a:t>סטטיסטיקות על אירועי חירום</a:t>
-            </a:r>
-          </a:p>
-          <a:p>
-            <a:pPr algn="r" rtl="1"/>
-            <a:r>
-              <a:rPr lang="he-IL" sz="3200" dirty="0" smtClean="0">
-                <a:latin typeface="Arial Unicode MS" panose="020B0604020202020204" pitchFamily="34" charset="-128"/>
-                <a:ea typeface="Arial Unicode MS" panose="020B0604020202020204" pitchFamily="34" charset="-128"/>
-                <a:cs typeface="Arial Unicode MS" panose="020B0604020202020204" pitchFamily="34" charset="-128"/>
-              </a:rPr>
-              <a:t>מנגנון סינון ספאם</a:t>
-            </a:r>
+            <a:endParaRPr lang="he-IL" sz="3200" dirty="0" smtClean="0">
+              <a:latin typeface="Arial Unicode MS" panose="020B0604020202020204" pitchFamily="34" charset="-128"/>
+              <a:ea typeface="Arial Unicode MS" panose="020B0604020202020204" pitchFamily="34" charset="-128"/>
+              <a:cs typeface="Arial Unicode MS" panose="020B0604020202020204" pitchFamily="34" charset="-128"/>
+            </a:endParaRPr>
           </a:p>
           <a:p>
             <a:pPr algn="r" rtl="1"/>
@@ -6934,4 +7586,265 @@
     </a:ext>
   </a:extLst>
 </a:theme>
+</file>
+
+<file path=ppt/theme/theme2.xml><?xml version="1.0" encoding="utf-8"?>
+<a:theme xmlns:a="http://schemas.openxmlformats.org/drawingml/2006/main" name="Office Theme">
+  <a:themeElements>
+    <a:clrScheme name="Office">
+      <a:dk1>
+        <a:sysClr val="windowText" lastClr="000000"/>
+      </a:dk1>
+      <a:lt1>
+        <a:sysClr val="window" lastClr="FFFFFF"/>
+      </a:lt1>
+      <a:dk2>
+        <a:srgbClr val="44546A"/>
+      </a:dk2>
+      <a:lt2>
+        <a:srgbClr val="E7E6E6"/>
+      </a:lt2>
+      <a:accent1>
+        <a:srgbClr val="5B9BD5"/>
+      </a:accent1>
+      <a:accent2>
+        <a:srgbClr val="ED7D31"/>
+      </a:accent2>
+      <a:accent3>
+        <a:srgbClr val="A5A5A5"/>
+      </a:accent3>
+      <a:accent4>
+        <a:srgbClr val="FFC000"/>
+      </a:accent4>
+      <a:accent5>
+        <a:srgbClr val="4472C4"/>
+      </a:accent5>
+      <a:accent6>
+        <a:srgbClr val="70AD47"/>
+      </a:accent6>
+      <a:hlink>
+        <a:srgbClr val="0563C1"/>
+      </a:hlink>
+      <a:folHlink>
+        <a:srgbClr val="954F72"/>
+      </a:folHlink>
+    </a:clrScheme>
+    <a:fontScheme name="Office">
+      <a:majorFont>
+        <a:latin typeface="Calibri Light" panose="020F0302020204030204"/>
+        <a:ea typeface=""/>
+        <a:cs typeface=""/>
+        <a:font script="Jpan" typeface="ＭＳ Ｐゴシック"/>
+        <a:font script="Hang" typeface="맑은 고딕"/>
+        <a:font script="Hans" typeface="宋体"/>
+        <a:font script="Hant" typeface="新細明體"/>
+        <a:font script="Arab" typeface="Times New Roman"/>
+        <a:font script="Hebr" typeface="Times New Roman"/>
+        <a:font script="Thai" typeface="Angsana New"/>
+        <a:font script="Ethi" typeface="Nyala"/>
+        <a:font script="Beng" typeface="Vrinda"/>
+        <a:font script="Gujr" typeface="Shruti"/>
+        <a:font script="Khmr" typeface="MoolBoran"/>
+        <a:font script="Knda" typeface="Tunga"/>
+        <a:font script="Guru" typeface="Raavi"/>
+        <a:font script="Cans" typeface="Euphemia"/>
+        <a:font script="Cher" typeface="Plantagenet Cherokee"/>
+        <a:font script="Yiii" typeface="Microsoft Yi Baiti"/>
+        <a:font script="Tibt" typeface="Microsoft Himalaya"/>
+        <a:font script="Thaa" typeface="MV Boli"/>
+        <a:font script="Deva" typeface="Mangal"/>
+        <a:font script="Telu" typeface="Gautami"/>
+        <a:font script="Taml" typeface="Latha"/>
+        <a:font script="Syrc" typeface="Estrangelo Edessa"/>
+        <a:font script="Orya" typeface="Kalinga"/>
+        <a:font script="Mlym" typeface="Kartika"/>
+        <a:font script="Laoo" typeface="DokChampa"/>
+        <a:font script="Sinh" typeface="Iskoola Pota"/>
+        <a:font script="Mong" typeface="Mongolian Baiti"/>
+        <a:font script="Viet" typeface="Times New Roman"/>
+        <a:font script="Uigh" typeface="Microsoft Uighur"/>
+        <a:font script="Geor" typeface="Sylfaen"/>
+      </a:majorFont>
+      <a:minorFont>
+        <a:latin typeface="Calibri" panose="020F0502020204030204"/>
+        <a:ea typeface=""/>
+        <a:cs typeface=""/>
+        <a:font script="Jpan" typeface="ＭＳ Ｐゴシック"/>
+        <a:font script="Hang" typeface="맑은 고딕"/>
+        <a:font script="Hans" typeface="宋体"/>
+        <a:font script="Hant" typeface="新細明體"/>
+        <a:font script="Arab" typeface="Arial"/>
+        <a:font script="Hebr" typeface="Arial"/>
+        <a:font script="Thai" typeface="Cordia New"/>
+        <a:font script="Ethi" typeface="Nyala"/>
+        <a:font script="Beng" typeface="Vrinda"/>
+        <a:font script="Gujr" typeface="Shruti"/>
+        <a:font script="Khmr" typeface="DaunPenh"/>
+        <a:font script="Knda" typeface="Tunga"/>
+        <a:font script="Guru" typeface="Raavi"/>
+        <a:font script="Cans" typeface="Euphemia"/>
+        <a:font script="Cher" typeface="Plantagenet Cherokee"/>
+        <a:font script="Yiii" typeface="Microsoft Yi Baiti"/>
+        <a:font script="Tibt" typeface="Microsoft Himalaya"/>
+        <a:font script="Thaa" typeface="MV Boli"/>
+        <a:font script="Deva" typeface="Mangal"/>
+        <a:font script="Telu" typeface="Gautami"/>
+        <a:font script="Taml" typeface="Latha"/>
+        <a:font script="Syrc" typeface="Estrangelo Edessa"/>
+        <a:font script="Orya" typeface="Kalinga"/>
+        <a:font script="Mlym" typeface="Kartika"/>
+        <a:font script="Laoo" typeface="DokChampa"/>
+        <a:font script="Sinh" typeface="Iskoola Pota"/>
+        <a:font script="Mong" typeface="Mongolian Baiti"/>
+        <a:font script="Viet" typeface="Arial"/>
+        <a:font script="Uigh" typeface="Microsoft Uighur"/>
+        <a:font script="Geor" typeface="Sylfaen"/>
+      </a:minorFont>
+    </a:fontScheme>
+    <a:fmtScheme name="Office">
+      <a:fillStyleLst>
+        <a:solidFill>
+          <a:schemeClr val="phClr"/>
+        </a:solidFill>
+        <a:gradFill rotWithShape="1">
+          <a:gsLst>
+            <a:gs pos="0">
+              <a:schemeClr val="phClr">
+                <a:lumMod val="110000"/>
+                <a:satMod val="105000"/>
+                <a:tint val="67000"/>
+              </a:schemeClr>
+            </a:gs>
+            <a:gs pos="50000">
+              <a:schemeClr val="phClr">
+                <a:lumMod val="105000"/>
+                <a:satMod val="103000"/>
+                <a:tint val="73000"/>
+              </a:schemeClr>
+            </a:gs>
+            <a:gs pos="100000">
+              <a:schemeClr val="phClr">
+                <a:lumMod val="105000"/>
+                <a:satMod val="109000"/>
+                <a:tint val="81000"/>
+              </a:schemeClr>
+            </a:gs>
+          </a:gsLst>
+          <a:lin ang="5400000" scaled="0"/>
+        </a:gradFill>
+        <a:gradFill rotWithShape="1">
+          <a:gsLst>
+            <a:gs pos="0">
+              <a:schemeClr val="phClr">
+                <a:satMod val="103000"/>
+                <a:lumMod val="102000"/>
+                <a:tint val="94000"/>
+              </a:schemeClr>
+            </a:gs>
+            <a:gs pos="50000">
+              <a:schemeClr val="phClr">
+                <a:satMod val="110000"/>
+                <a:lumMod val="100000"/>
+                <a:shade val="100000"/>
+              </a:schemeClr>
+            </a:gs>
+            <a:gs pos="100000">
+              <a:schemeClr val="phClr">
+                <a:lumMod val="99000"/>
+                <a:satMod val="120000"/>
+                <a:shade val="78000"/>
+              </a:schemeClr>
+            </a:gs>
+          </a:gsLst>
+          <a:lin ang="5400000" scaled="0"/>
+        </a:gradFill>
+      </a:fillStyleLst>
+      <a:lnStyleLst>
+        <a:ln w="6350" cap="flat" cmpd="sng" algn="ctr">
+          <a:solidFill>
+            <a:schemeClr val="phClr"/>
+          </a:solidFill>
+          <a:prstDash val="solid"/>
+          <a:miter lim="800000"/>
+        </a:ln>
+        <a:ln w="12700" cap="flat" cmpd="sng" algn="ctr">
+          <a:solidFill>
+            <a:schemeClr val="phClr"/>
+          </a:solidFill>
+          <a:prstDash val="solid"/>
+          <a:miter lim="800000"/>
+        </a:ln>
+        <a:ln w="19050" cap="flat" cmpd="sng" algn="ctr">
+          <a:solidFill>
+            <a:schemeClr val="phClr"/>
+          </a:solidFill>
+          <a:prstDash val="solid"/>
+          <a:miter lim="800000"/>
+        </a:ln>
+      </a:lnStyleLst>
+      <a:effectStyleLst>
+        <a:effectStyle>
+          <a:effectLst/>
+        </a:effectStyle>
+        <a:effectStyle>
+          <a:effectLst/>
+        </a:effectStyle>
+        <a:effectStyle>
+          <a:effectLst>
+            <a:outerShdw blurRad="57150" dist="19050" dir="5400000" algn="ctr" rotWithShape="0">
+              <a:srgbClr val="000000">
+                <a:alpha val="63000"/>
+              </a:srgbClr>
+            </a:outerShdw>
+          </a:effectLst>
+        </a:effectStyle>
+      </a:effectStyleLst>
+      <a:bgFillStyleLst>
+        <a:solidFill>
+          <a:schemeClr val="phClr"/>
+        </a:solidFill>
+        <a:solidFill>
+          <a:schemeClr val="phClr">
+            <a:tint val="95000"/>
+            <a:satMod val="170000"/>
+          </a:schemeClr>
+        </a:solidFill>
+        <a:gradFill rotWithShape="1">
+          <a:gsLst>
+            <a:gs pos="0">
+              <a:schemeClr val="phClr">
+                <a:tint val="93000"/>
+                <a:satMod val="150000"/>
+                <a:shade val="98000"/>
+                <a:lumMod val="102000"/>
+              </a:schemeClr>
+            </a:gs>
+            <a:gs pos="50000">
+              <a:schemeClr val="phClr">
+                <a:tint val="98000"/>
+                <a:satMod val="130000"/>
+                <a:shade val="90000"/>
+                <a:lumMod val="103000"/>
+              </a:schemeClr>
+            </a:gs>
+            <a:gs pos="100000">
+              <a:schemeClr val="phClr">
+                <a:shade val="63000"/>
+                <a:satMod val="120000"/>
+              </a:schemeClr>
+            </a:gs>
+          </a:gsLst>
+          <a:lin ang="5400000" scaled="0"/>
+        </a:gradFill>
+      </a:bgFillStyleLst>
+    </a:fmtScheme>
+  </a:themeElements>
+  <a:objectDefaults/>
+  <a:extraClrSchemeLst/>
+  <a:extLst>
+    <a:ext uri="{05A4C25C-085E-4340-85A3-A5531E510DB2}">
+      <thm15:themeFamily xmlns:thm15="http://schemas.microsoft.com/office/thememl/2012/main" name="Office Theme" id="{62F939B6-93AF-4DB8-9C6B-D6C7DFDC589F}" vid="{4A3C46E8-61CC-4603-A589-7422A47A8E4A}"/>
+    </a:ext>
+  </a:extLst>
+</a:theme>
 </file>
--- a/presentation/ON-CALL.pptx
+++ b/presentation/ON-CALL.pptx
@@ -6387,15 +6387,7 @@
                 <a:ea typeface="Arial Unicode MS" panose="020B0604020202020204" pitchFamily="34" charset="-128"/>
                 <a:cs typeface="Arial Unicode MS" panose="020B0604020202020204" pitchFamily="34" charset="-128"/>
               </a:rPr>
-              <a:t>5 הדקות הראשונות של תחילת אירוע הן </a:t>
-            </a:r>
-            <a:r>
-              <a:rPr lang="he-IL" sz="3200" dirty="0" smtClean="0">
-                <a:latin typeface="Arial Unicode MS" panose="020B0604020202020204" pitchFamily="34" charset="-128"/>
-                <a:ea typeface="Arial Unicode MS" panose="020B0604020202020204" pitchFamily="34" charset="-128"/>
-                <a:cs typeface="Arial Unicode MS" panose="020B0604020202020204" pitchFamily="34" charset="-128"/>
-              </a:rPr>
-              <a:t>קריטיות</a:t>
+              <a:t>5 הדקות הראשונות של תחילת אירוע הן קריטיות</a:t>
             </a:r>
             <a:endParaRPr lang="he-IL" sz="3200" dirty="0">
               <a:latin typeface="Arial Unicode MS" panose="020B0604020202020204" pitchFamily="34" charset="-128"/>
@@ -6719,15 +6711,7 @@
             </a:pPr>
             <a:r>
               <a:rPr lang="he-IL" sz="3600" i="1" dirty="0" smtClean="0"/>
-              <a:t>מה </a:t>
-            </a:r>
-            <a:r>
-              <a:rPr lang="he-IL" sz="3600" i="1" dirty="0" smtClean="0"/>
-              <a:t>אם כל </a:t>
-            </a:r>
-            <a:r>
-              <a:rPr lang="he-IL" sz="3600" i="1" dirty="0" smtClean="0"/>
-              <a:t>אדם</a:t>
+              <a:t>מה אם כל אדם</a:t>
             </a:r>
             <a:r>
               <a:rPr lang="en-US" sz="3600" i="1" dirty="0" smtClean="0"/>
@@ -6735,17 +6719,8 @@
             </a:r>
             <a:r>
               <a:rPr lang="he-IL" sz="3600" i="1" dirty="0" smtClean="0"/>
-              <a:t>היה </a:t>
-            </a:r>
-            <a:r>
-              <a:rPr lang="he-IL" sz="3600" i="1" dirty="0" smtClean="0"/>
-              <a:t>כונן לזולתו</a:t>
-            </a:r>
-            <a:r>
-              <a:rPr lang="he-IL" sz="3600" i="1" dirty="0" smtClean="0"/>
-              <a:t>?</a:t>
-            </a:r>
-            <a:endParaRPr lang="he-IL" sz="3600" i="1" dirty="0" smtClean="0"/>
+              <a:t>היה כונן לזולתו?</a:t>
+            </a:r>
           </a:p>
         </p:txBody>
       </p:sp>
@@ -7007,6 +6982,1018 @@
           </a:extLst>
         </p:spPr>
       </p:pic>
+      <p:graphicFrame>
+        <p:nvGraphicFramePr>
+          <p:cNvPr id="4" name="Table 3"/>
+          <p:cNvGraphicFramePr>
+            <a:graphicFrameLocks noGrp="1"/>
+          </p:cNvGraphicFramePr>
+          <p:nvPr>
+            <p:extLst>
+              <p:ext uri="{D42A27DB-BD31-4B8C-83A1-F6EECF244321}">
+                <p14:modId xmlns:p14="http://schemas.microsoft.com/office/powerpoint/2010/main" val="1791805080"/>
+              </p:ext>
+            </p:extLst>
+          </p:nvPr>
+        </p:nvGraphicFramePr>
+        <p:xfrm>
+          <a:off x="2839719" y="2057401"/>
+          <a:ext cx="8722362" cy="3672840"/>
+        </p:xfrm>
+        <a:graphic>
+          <a:graphicData uri="http://schemas.openxmlformats.org/drawingml/2006/table">
+            <a:tbl>
+              <a:tblPr firstRow="1" bandRow="1">
+                <a:tableStyleId>{D7AC3CCA-C797-4891-BE02-D94E43425B78}</a:tableStyleId>
+              </a:tblPr>
+              <a:tblGrid>
+                <a:gridCol w="1453727"/>
+                <a:gridCol w="1453727"/>
+                <a:gridCol w="1453727"/>
+                <a:gridCol w="1416813"/>
+                <a:gridCol w="1490641"/>
+                <a:gridCol w="1453727"/>
+              </a:tblGrid>
+              <a:tr h="370840">
+                <a:tc>
+                  <a:txBody>
+                    <a:bodyPr/>
+                    <a:lstStyle/>
+                    <a:p>
+                      <a:pPr algn="ctr"/>
+                      <a:r>
+                        <a:rPr lang="en-US" sz="2000" dirty="0" smtClean="0"/>
+                        <a:t>ON</a:t>
+                      </a:r>
+                      <a:r>
+                        <a:rPr lang="he-IL" sz="2000" dirty="0" smtClean="0"/>
+                        <a:t>-</a:t>
+                      </a:r>
+                      <a:r>
+                        <a:rPr lang="en-US" sz="2000" dirty="0" smtClean="0"/>
+                        <a:t>CALL</a:t>
+                      </a:r>
+                      <a:endParaRPr lang="en-US" sz="2000" dirty="0"/>
+                    </a:p>
+                  </a:txBody>
+                  <a:tcPr/>
+                </a:tc>
+                <a:tc>
+                  <a:txBody>
+                    <a:bodyPr/>
+                    <a:lstStyle/>
+                    <a:p>
+                      <a:pPr algn="ctr" rtl="1"/>
+                      <a:r>
+                        <a:rPr lang="he-IL" sz="1800" b="0" i="0" kern="1200" dirty="0" smtClean="0">
+                          <a:solidFill>
+                            <a:schemeClr val="dk1"/>
+                          </a:solidFill>
+                          <a:effectLst/>
+                          <a:latin typeface="+mn-lt"/>
+                          <a:ea typeface="+mn-ea"/>
+                          <a:cs typeface="+mn-cs"/>
+                        </a:rPr>
+                        <a:t>מד"א שלי</a:t>
+                      </a:r>
+                      <a:r>
+                        <a:rPr lang="he-IL" sz="1800" b="0" i="0" u="none" strike="noStrike" kern="1200" dirty="0" smtClean="0">
+                          <a:solidFill>
+                            <a:schemeClr val="dk1"/>
+                          </a:solidFill>
+                          <a:effectLst/>
+                          <a:latin typeface="+mn-lt"/>
+                          <a:ea typeface="+mn-ea"/>
+                          <a:cs typeface="+mn-cs"/>
+                          <a:hlinkClick r:id="rId3"/>
+                        </a:rPr>
+                        <a:t/>
+                      </a:r>
+                      <a:br>
+                        <a:rPr lang="he-IL" sz="1800" b="0" i="0" u="none" strike="noStrike" kern="1200" dirty="0" smtClean="0">
+                          <a:solidFill>
+                            <a:schemeClr val="dk1"/>
+                          </a:solidFill>
+                          <a:effectLst/>
+                          <a:latin typeface="+mn-lt"/>
+                          <a:ea typeface="+mn-ea"/>
+                          <a:cs typeface="+mn-cs"/>
+                          <a:hlinkClick r:id="rId3"/>
+                        </a:rPr>
+                      </a:br>
+                      <a:endParaRPr lang="en-US" dirty="0"/>
+                    </a:p>
+                  </a:txBody>
+                  <a:tcPr/>
+                </a:tc>
+                <a:tc>
+                  <a:txBody>
+                    <a:bodyPr/>
+                    <a:lstStyle/>
+                    <a:p>
+                      <a:pPr algn="ctr" rtl="1"/>
+                      <a:r>
+                        <a:rPr lang="he-IL" sz="1800" b="0" i="0" kern="1200" dirty="0" smtClean="0">
+                          <a:solidFill>
+                            <a:schemeClr val="dk1"/>
+                          </a:solidFill>
+                          <a:effectLst/>
+                          <a:latin typeface="+mn-lt"/>
+                          <a:ea typeface="+mn-ea"/>
+                          <a:cs typeface="+mn-cs"/>
+                        </a:rPr>
+                        <a:t>מגן דוד אדום – צוותים</a:t>
+                      </a:r>
+                    </a:p>
+                  </a:txBody>
+                  <a:tcPr/>
+                </a:tc>
+                <a:tc>
+                  <a:txBody>
+                    <a:bodyPr/>
+                    <a:lstStyle/>
+                    <a:p>
+                      <a:pPr algn="ctr"/>
+                      <a:r>
+                        <a:rPr lang="en-US" sz="1800" b="0" i="0" kern="1200" dirty="0" smtClean="0">
+                          <a:solidFill>
+                            <a:schemeClr val="dk1"/>
+                          </a:solidFill>
+                          <a:effectLst/>
+                          <a:latin typeface="+mn-lt"/>
+                          <a:ea typeface="+mn-ea"/>
+                          <a:cs typeface="+mn-cs"/>
+                        </a:rPr>
+                        <a:t>SOS! </a:t>
+                      </a:r>
+                      <a:endParaRPr lang="en-US" dirty="0"/>
+                    </a:p>
+                  </a:txBody>
+                  <a:tcPr/>
+                </a:tc>
+                <a:tc>
+                  <a:txBody>
+                    <a:bodyPr/>
+                    <a:lstStyle/>
+                    <a:p>
+                      <a:pPr algn="ctr"/>
+                      <a:r>
+                        <a:rPr lang="en-US" sz="1800" b="0" i="0" kern="1200" dirty="0" smtClean="0">
+                          <a:solidFill>
+                            <a:schemeClr val="dk1"/>
+                          </a:solidFill>
+                          <a:effectLst/>
+                          <a:latin typeface="+mn-lt"/>
+                          <a:ea typeface="+mn-ea"/>
+                          <a:cs typeface="+mn-cs"/>
+                        </a:rPr>
+                        <a:t>Help Call</a:t>
+                      </a:r>
+                      <a:endParaRPr lang="en-US" dirty="0"/>
+                    </a:p>
+                  </a:txBody>
+                  <a:tcPr/>
+                </a:tc>
+                <a:tc>
+                  <a:txBody>
+                    <a:bodyPr/>
+                    <a:lstStyle/>
+                    <a:p>
+                      <a:pPr algn="ctr"/>
+                      <a:r>
+                        <a:rPr lang="he-IL" dirty="0" smtClean="0"/>
+                        <a:t>פיצ'ר/מתחרה</a:t>
+                      </a:r>
+                      <a:endParaRPr lang="en-US" dirty="0"/>
+                    </a:p>
+                  </a:txBody>
+                  <a:tcPr/>
+                </a:tc>
+              </a:tr>
+              <a:tr h="370840">
+                <a:tc>
+                  <a:txBody>
+                    <a:bodyPr/>
+                    <a:lstStyle/>
+                    <a:p>
+                      <a:pPr algn="ctr"/>
+                      <a:r>
+                        <a:rPr lang="en-US" b="1" dirty="0" smtClean="0">
+                          <a:solidFill>
+                            <a:srgbClr val="006600"/>
+                          </a:solidFill>
+                        </a:rPr>
+                        <a:t>V</a:t>
+                      </a:r>
+                      <a:endParaRPr lang="en-US" b="1" dirty="0">
+                        <a:solidFill>
+                          <a:srgbClr val="006600"/>
+                        </a:solidFill>
+                      </a:endParaRPr>
+                    </a:p>
+                  </a:txBody>
+                  <a:tcPr/>
+                </a:tc>
+                <a:tc>
+                  <a:txBody>
+                    <a:bodyPr/>
+                    <a:lstStyle/>
+                    <a:p>
+                      <a:pPr algn="ctr"/>
+                      <a:r>
+                        <a:rPr lang="en-US" b="1" dirty="0" smtClean="0">
+                          <a:solidFill>
+                            <a:srgbClr val="006600"/>
+                          </a:solidFill>
+                        </a:rPr>
+                        <a:t>V</a:t>
+                      </a:r>
+                      <a:endParaRPr lang="en-US" b="1" dirty="0">
+                        <a:solidFill>
+                          <a:srgbClr val="006600"/>
+                        </a:solidFill>
+                      </a:endParaRPr>
+                    </a:p>
+                  </a:txBody>
+                  <a:tcPr/>
+                </a:tc>
+                <a:tc>
+                  <a:txBody>
+                    <a:bodyPr/>
+                    <a:lstStyle/>
+                    <a:p>
+                      <a:pPr algn="ctr"/>
+                      <a:r>
+                        <a:rPr lang="en-US" b="1" dirty="0" smtClean="0">
+                          <a:solidFill>
+                            <a:srgbClr val="FF0000"/>
+                          </a:solidFill>
+                        </a:rPr>
+                        <a:t>X</a:t>
+                      </a:r>
+                      <a:endParaRPr lang="en-US" b="1" dirty="0">
+                        <a:solidFill>
+                          <a:srgbClr val="FF0000"/>
+                        </a:solidFill>
+                      </a:endParaRPr>
+                    </a:p>
+                  </a:txBody>
+                  <a:tcPr/>
+                </a:tc>
+                <a:tc>
+                  <a:txBody>
+                    <a:bodyPr/>
+                    <a:lstStyle/>
+                    <a:p>
+                      <a:pPr algn="ctr"/>
+                      <a:r>
+                        <a:rPr lang="en-US" b="1" dirty="0" smtClean="0">
+                          <a:solidFill>
+                            <a:srgbClr val="006600"/>
+                          </a:solidFill>
+                        </a:rPr>
+                        <a:t>V</a:t>
+                      </a:r>
+                      <a:endParaRPr lang="en-US" b="1" dirty="0">
+                        <a:solidFill>
+                          <a:srgbClr val="006600"/>
+                        </a:solidFill>
+                      </a:endParaRPr>
+                    </a:p>
+                  </a:txBody>
+                  <a:tcPr/>
+                </a:tc>
+                <a:tc>
+                  <a:txBody>
+                    <a:bodyPr/>
+                    <a:lstStyle/>
+                    <a:p>
+                      <a:pPr algn="ctr"/>
+                      <a:r>
+                        <a:rPr lang="en-US" b="1" dirty="0" smtClean="0">
+                          <a:solidFill>
+                            <a:srgbClr val="006600"/>
+                          </a:solidFill>
+                        </a:rPr>
+                        <a:t>V</a:t>
+                      </a:r>
+                      <a:endParaRPr lang="en-US" b="1" dirty="0">
+                        <a:solidFill>
+                          <a:srgbClr val="006600"/>
+                        </a:solidFill>
+                      </a:endParaRPr>
+                    </a:p>
+                  </a:txBody>
+                  <a:tcPr/>
+                </a:tc>
+                <a:tc>
+                  <a:txBody>
+                    <a:bodyPr/>
+                    <a:lstStyle/>
+                    <a:p>
+                      <a:pPr algn="r" rtl="1"/>
+                      <a:r>
+                        <a:rPr lang="he-IL" smtClean="0"/>
+                        <a:t>קריאה</a:t>
+                      </a:r>
+                      <a:r>
+                        <a:rPr lang="he-IL" baseline="0" smtClean="0"/>
+                        <a:t> מהירה</a:t>
+                      </a:r>
+                      <a:endParaRPr lang="en-US" dirty="0"/>
+                    </a:p>
+                  </a:txBody>
+                  <a:tcPr/>
+                </a:tc>
+              </a:tr>
+              <a:tr h="370840">
+                <a:tc>
+                  <a:txBody>
+                    <a:bodyPr/>
+                    <a:lstStyle/>
+                    <a:p>
+                      <a:pPr algn="ctr"/>
+                      <a:r>
+                        <a:rPr lang="en-US" b="1" dirty="0" smtClean="0">
+                          <a:solidFill>
+                            <a:srgbClr val="006600"/>
+                          </a:solidFill>
+                        </a:rPr>
+                        <a:t>V</a:t>
+                      </a:r>
+                      <a:endParaRPr lang="en-US" b="1" dirty="0">
+                        <a:solidFill>
+                          <a:srgbClr val="006600"/>
+                        </a:solidFill>
+                      </a:endParaRPr>
+                    </a:p>
+                  </a:txBody>
+                  <a:tcPr/>
+                </a:tc>
+                <a:tc>
+                  <a:txBody>
+                    <a:bodyPr/>
+                    <a:lstStyle/>
+                    <a:p>
+                      <a:pPr algn="ctr"/>
+                      <a:r>
+                        <a:rPr lang="en-US" b="1" dirty="0" smtClean="0">
+                          <a:solidFill>
+                            <a:srgbClr val="006600"/>
+                          </a:solidFill>
+                        </a:rPr>
+                        <a:t>V</a:t>
+                      </a:r>
+                      <a:endParaRPr lang="en-US" b="1" dirty="0">
+                        <a:solidFill>
+                          <a:srgbClr val="006600"/>
+                        </a:solidFill>
+                      </a:endParaRPr>
+                    </a:p>
+                  </a:txBody>
+                  <a:tcPr/>
+                </a:tc>
+                <a:tc>
+                  <a:txBody>
+                    <a:bodyPr/>
+                    <a:lstStyle/>
+                    <a:p>
+                      <a:pPr algn="ctr"/>
+                      <a:r>
+                        <a:rPr lang="en-US" b="1" dirty="0" smtClean="0">
+                          <a:solidFill>
+                            <a:srgbClr val="FF0000"/>
+                          </a:solidFill>
+                        </a:rPr>
+                        <a:t>X</a:t>
+                      </a:r>
+                      <a:endParaRPr lang="en-US" b="1" dirty="0">
+                        <a:solidFill>
+                          <a:srgbClr val="FF0000"/>
+                        </a:solidFill>
+                      </a:endParaRPr>
+                    </a:p>
+                  </a:txBody>
+                  <a:tcPr/>
+                </a:tc>
+                <a:tc>
+                  <a:txBody>
+                    <a:bodyPr/>
+                    <a:lstStyle/>
+                    <a:p>
+                      <a:pPr algn="ctr"/>
+                      <a:r>
+                        <a:rPr lang="en-US" b="1" dirty="0" smtClean="0">
+                          <a:solidFill>
+                            <a:srgbClr val="FF0000"/>
+                          </a:solidFill>
+                        </a:rPr>
+                        <a:t>X</a:t>
+                      </a:r>
+                      <a:endParaRPr lang="en-US" b="1" dirty="0">
+                        <a:solidFill>
+                          <a:srgbClr val="FF0000"/>
+                        </a:solidFill>
+                      </a:endParaRPr>
+                    </a:p>
+                  </a:txBody>
+                  <a:tcPr/>
+                </a:tc>
+                <a:tc>
+                  <a:txBody>
+                    <a:bodyPr/>
+                    <a:lstStyle/>
+                    <a:p>
+                      <a:pPr algn="ctr"/>
+                      <a:r>
+                        <a:rPr lang="en-US" b="1" dirty="0" smtClean="0">
+                          <a:solidFill>
+                            <a:srgbClr val="FF0000"/>
+                          </a:solidFill>
+                        </a:rPr>
+                        <a:t>X</a:t>
+                      </a:r>
+                      <a:endParaRPr lang="en-US" b="1" dirty="0">
+                        <a:solidFill>
+                          <a:srgbClr val="FF0000"/>
+                        </a:solidFill>
+                      </a:endParaRPr>
+                    </a:p>
+                  </a:txBody>
+                  <a:tcPr/>
+                </a:tc>
+                <a:tc>
+                  <a:txBody>
+                    <a:bodyPr/>
+                    <a:lstStyle/>
+                    <a:p>
+                      <a:pPr algn="r" rtl="1"/>
+                      <a:r>
+                        <a:rPr lang="he-IL" dirty="0" smtClean="0"/>
+                        <a:t>מפה</a:t>
+                      </a:r>
+                      <a:endParaRPr lang="en-US" dirty="0"/>
+                    </a:p>
+                  </a:txBody>
+                  <a:tcPr/>
+                </a:tc>
+              </a:tr>
+              <a:tr h="370840">
+                <a:tc>
+                  <a:txBody>
+                    <a:bodyPr/>
+                    <a:lstStyle/>
+                    <a:p>
+                      <a:pPr algn="ctr"/>
+                      <a:r>
+                        <a:rPr lang="en-US" b="1" dirty="0" smtClean="0">
+                          <a:solidFill>
+                            <a:srgbClr val="006600"/>
+                          </a:solidFill>
+                        </a:rPr>
+                        <a:t>V</a:t>
+                      </a:r>
+                      <a:endParaRPr lang="en-US" b="1" dirty="0">
+                        <a:solidFill>
+                          <a:srgbClr val="006600"/>
+                        </a:solidFill>
+                      </a:endParaRPr>
+                    </a:p>
+                  </a:txBody>
+                  <a:tcPr/>
+                </a:tc>
+                <a:tc>
+                  <a:txBody>
+                    <a:bodyPr/>
+                    <a:lstStyle/>
+                    <a:p>
+                      <a:pPr algn="ctr"/>
+                      <a:r>
+                        <a:rPr lang="en-US" b="1" dirty="0" smtClean="0">
+                          <a:solidFill>
+                            <a:srgbClr val="006600"/>
+                          </a:solidFill>
+                        </a:rPr>
+                        <a:t>V</a:t>
+                      </a:r>
+                      <a:endParaRPr lang="en-US" b="1" dirty="0">
+                        <a:solidFill>
+                          <a:srgbClr val="006600"/>
+                        </a:solidFill>
+                      </a:endParaRPr>
+                    </a:p>
+                  </a:txBody>
+                  <a:tcPr/>
+                </a:tc>
+                <a:tc>
+                  <a:txBody>
+                    <a:bodyPr/>
+                    <a:lstStyle/>
+                    <a:p>
+                      <a:pPr algn="ctr"/>
+                      <a:r>
+                        <a:rPr lang="en-US" b="1" dirty="0" smtClean="0">
+                          <a:solidFill>
+                            <a:srgbClr val="FF0000"/>
+                          </a:solidFill>
+                        </a:rPr>
+                        <a:t>X</a:t>
+                      </a:r>
+                      <a:endParaRPr lang="en-US" b="1" dirty="0">
+                        <a:solidFill>
+                          <a:srgbClr val="FF0000"/>
+                        </a:solidFill>
+                      </a:endParaRPr>
+                    </a:p>
+                  </a:txBody>
+                  <a:tcPr/>
+                </a:tc>
+                <a:tc>
+                  <a:txBody>
+                    <a:bodyPr/>
+                    <a:lstStyle/>
+                    <a:p>
+                      <a:pPr algn="ctr"/>
+                      <a:r>
+                        <a:rPr lang="en-US" b="1" dirty="0" smtClean="0">
+                          <a:solidFill>
+                            <a:srgbClr val="FF0000"/>
+                          </a:solidFill>
+                        </a:rPr>
+                        <a:t>X</a:t>
+                      </a:r>
+                      <a:endParaRPr lang="en-US" b="1" dirty="0">
+                        <a:solidFill>
+                          <a:srgbClr val="FF0000"/>
+                        </a:solidFill>
+                      </a:endParaRPr>
+                    </a:p>
+                  </a:txBody>
+                  <a:tcPr/>
+                </a:tc>
+                <a:tc>
+                  <a:txBody>
+                    <a:bodyPr/>
+                    <a:lstStyle/>
+                    <a:p>
+                      <a:pPr algn="ctr"/>
+                      <a:r>
+                        <a:rPr lang="en-US" b="1" dirty="0" smtClean="0">
+                          <a:solidFill>
+                            <a:srgbClr val="FF0000"/>
+                          </a:solidFill>
+                        </a:rPr>
+                        <a:t>X</a:t>
+                      </a:r>
+                      <a:endParaRPr lang="en-US" b="1" dirty="0">
+                        <a:solidFill>
+                          <a:srgbClr val="FF0000"/>
+                        </a:solidFill>
+                      </a:endParaRPr>
+                    </a:p>
+                  </a:txBody>
+                  <a:tcPr/>
+                </a:tc>
+                <a:tc>
+                  <a:txBody>
+                    <a:bodyPr/>
+                    <a:lstStyle/>
+                    <a:p>
+                      <a:pPr algn="r" rtl="1"/>
+                      <a:r>
+                        <a:rPr lang="he-IL" dirty="0" smtClean="0"/>
+                        <a:t>עדכון מיקום ב</a:t>
+                      </a:r>
+                      <a:r>
+                        <a:rPr lang="en-US" dirty="0" smtClean="0"/>
+                        <a:t>live</a:t>
+                      </a:r>
+                      <a:endParaRPr lang="en-US" dirty="0"/>
+                    </a:p>
+                  </a:txBody>
+                  <a:tcPr/>
+                </a:tc>
+              </a:tr>
+              <a:tr h="370840">
+                <a:tc>
+                  <a:txBody>
+                    <a:bodyPr/>
+                    <a:lstStyle/>
+                    <a:p>
+                      <a:pPr algn="ctr"/>
+                      <a:r>
+                        <a:rPr lang="en-US" b="1" dirty="0" smtClean="0">
+                          <a:solidFill>
+                            <a:srgbClr val="006600"/>
+                          </a:solidFill>
+                        </a:rPr>
+                        <a:t>V</a:t>
+                      </a:r>
+                      <a:endParaRPr lang="en-US" b="1" dirty="0">
+                        <a:solidFill>
+                          <a:srgbClr val="006600"/>
+                        </a:solidFill>
+                      </a:endParaRPr>
+                    </a:p>
+                  </a:txBody>
+                  <a:tcPr/>
+                </a:tc>
+                <a:tc>
+                  <a:txBody>
+                    <a:bodyPr/>
+                    <a:lstStyle/>
+                    <a:p>
+                      <a:pPr algn="ctr"/>
+                      <a:r>
+                        <a:rPr lang="en-US" b="1" dirty="0" smtClean="0">
+                          <a:solidFill>
+                            <a:srgbClr val="006600"/>
+                          </a:solidFill>
+                        </a:rPr>
+                        <a:t>V</a:t>
+                      </a:r>
+                      <a:endParaRPr lang="en-US" b="1" dirty="0">
+                        <a:solidFill>
+                          <a:srgbClr val="006600"/>
+                        </a:solidFill>
+                      </a:endParaRPr>
+                    </a:p>
+                  </a:txBody>
+                  <a:tcPr/>
+                </a:tc>
+                <a:tc>
+                  <a:txBody>
+                    <a:bodyPr/>
+                    <a:lstStyle/>
+                    <a:p>
+                      <a:pPr algn="ctr"/>
+                      <a:r>
+                        <a:rPr lang="en-US" b="1" dirty="0" smtClean="0">
+                          <a:solidFill>
+                            <a:srgbClr val="FF0000"/>
+                          </a:solidFill>
+                        </a:rPr>
+                        <a:t>X</a:t>
+                      </a:r>
+                      <a:endParaRPr lang="en-US" b="1" dirty="0">
+                        <a:solidFill>
+                          <a:srgbClr val="FF0000"/>
+                        </a:solidFill>
+                      </a:endParaRPr>
+                    </a:p>
+                  </a:txBody>
+                  <a:tcPr/>
+                </a:tc>
+                <a:tc>
+                  <a:txBody>
+                    <a:bodyPr/>
+                    <a:lstStyle/>
+                    <a:p>
+                      <a:pPr algn="ctr"/>
+                      <a:r>
+                        <a:rPr lang="en-US" b="1" dirty="0" smtClean="0">
+                          <a:solidFill>
+                            <a:srgbClr val="FF0000"/>
+                          </a:solidFill>
+                        </a:rPr>
+                        <a:t>X</a:t>
+                      </a:r>
+                      <a:endParaRPr lang="en-US" b="1" dirty="0">
+                        <a:solidFill>
+                          <a:srgbClr val="FF0000"/>
+                        </a:solidFill>
+                      </a:endParaRPr>
+                    </a:p>
+                  </a:txBody>
+                  <a:tcPr/>
+                </a:tc>
+                <a:tc>
+                  <a:txBody>
+                    <a:bodyPr/>
+                    <a:lstStyle/>
+                    <a:p>
+                      <a:pPr algn="ctr"/>
+                      <a:r>
+                        <a:rPr lang="en-US" b="1" dirty="0" smtClean="0">
+                          <a:solidFill>
+                            <a:srgbClr val="FF0000"/>
+                          </a:solidFill>
+                        </a:rPr>
+                        <a:t>X</a:t>
+                      </a:r>
+                      <a:endParaRPr lang="en-US" b="1" dirty="0">
+                        <a:solidFill>
+                          <a:srgbClr val="FF0000"/>
+                        </a:solidFill>
+                      </a:endParaRPr>
+                    </a:p>
+                  </a:txBody>
+                  <a:tcPr/>
+                </a:tc>
+                <a:tc>
+                  <a:txBody>
+                    <a:bodyPr/>
+                    <a:lstStyle/>
+                    <a:p>
+                      <a:pPr algn="r" rtl="1"/>
+                      <a:r>
+                        <a:rPr lang="he-IL" dirty="0" smtClean="0"/>
+                        <a:t>צאט</a:t>
+                      </a:r>
+                      <a:endParaRPr lang="en-US" dirty="0"/>
+                    </a:p>
+                  </a:txBody>
+                  <a:tcPr/>
+                </a:tc>
+              </a:tr>
+              <a:tr h="370840">
+                <a:tc>
+                  <a:txBody>
+                    <a:bodyPr/>
+                    <a:lstStyle/>
+                    <a:p>
+                      <a:pPr algn="ctr"/>
+                      <a:r>
+                        <a:rPr lang="en-US" b="1" dirty="0" smtClean="0">
+                          <a:solidFill>
+                            <a:srgbClr val="006600"/>
+                          </a:solidFill>
+                        </a:rPr>
+                        <a:t>V</a:t>
+                      </a:r>
+                      <a:endParaRPr lang="en-US" b="1" dirty="0">
+                        <a:solidFill>
+                          <a:srgbClr val="006600"/>
+                        </a:solidFill>
+                      </a:endParaRPr>
+                    </a:p>
+                  </a:txBody>
+                  <a:tcPr/>
+                </a:tc>
+                <a:tc>
+                  <a:txBody>
+                    <a:bodyPr/>
+                    <a:lstStyle/>
+                    <a:p>
+                      <a:pPr algn="ctr"/>
+                      <a:r>
+                        <a:rPr lang="en-US" b="1" dirty="0" smtClean="0">
+                          <a:solidFill>
+                            <a:srgbClr val="FF0000"/>
+                          </a:solidFill>
+                        </a:rPr>
+                        <a:t>X</a:t>
+                      </a:r>
+                      <a:endParaRPr lang="en-US" b="1" dirty="0">
+                        <a:solidFill>
+                          <a:srgbClr val="FF0000"/>
+                        </a:solidFill>
+                      </a:endParaRPr>
+                    </a:p>
+                  </a:txBody>
+                  <a:tcPr/>
+                </a:tc>
+                <a:tc>
+                  <a:txBody>
+                    <a:bodyPr/>
+                    <a:lstStyle/>
+                    <a:p>
+                      <a:pPr algn="ctr"/>
+                      <a:r>
+                        <a:rPr lang="en-US" b="1" dirty="0" smtClean="0">
+                          <a:solidFill>
+                            <a:srgbClr val="006600"/>
+                          </a:solidFill>
+                        </a:rPr>
+                        <a:t>V</a:t>
+                      </a:r>
+                      <a:endParaRPr lang="en-US" b="1" dirty="0">
+                        <a:solidFill>
+                          <a:srgbClr val="006600"/>
+                        </a:solidFill>
+                      </a:endParaRPr>
+                    </a:p>
+                  </a:txBody>
+                  <a:tcPr/>
+                </a:tc>
+                <a:tc>
+                  <a:txBody>
+                    <a:bodyPr/>
+                    <a:lstStyle/>
+                    <a:p>
+                      <a:pPr algn="ctr"/>
+                      <a:r>
+                        <a:rPr lang="en-US" b="1" dirty="0" smtClean="0">
+                          <a:solidFill>
+                            <a:srgbClr val="FF0000"/>
+                          </a:solidFill>
+                        </a:rPr>
+                        <a:t>X</a:t>
+                      </a:r>
+                      <a:endParaRPr lang="en-US" b="1" dirty="0">
+                        <a:solidFill>
+                          <a:srgbClr val="FF0000"/>
+                        </a:solidFill>
+                      </a:endParaRPr>
+                    </a:p>
+                  </a:txBody>
+                  <a:tcPr/>
+                </a:tc>
+                <a:tc>
+                  <a:txBody>
+                    <a:bodyPr/>
+                    <a:lstStyle/>
+                    <a:p>
+                      <a:pPr algn="ctr"/>
+                      <a:r>
+                        <a:rPr lang="en-US" b="1" dirty="0" smtClean="0">
+                          <a:solidFill>
+                            <a:srgbClr val="FF0000"/>
+                          </a:solidFill>
+                        </a:rPr>
+                        <a:t>X</a:t>
+                      </a:r>
+                      <a:endParaRPr lang="en-US" b="1" dirty="0">
+                        <a:solidFill>
+                          <a:srgbClr val="FF0000"/>
+                        </a:solidFill>
+                      </a:endParaRPr>
+                    </a:p>
+                  </a:txBody>
+                  <a:tcPr/>
+                </a:tc>
+                <a:tc>
+                  <a:txBody>
+                    <a:bodyPr/>
+                    <a:lstStyle/>
+                    <a:p>
+                      <a:pPr marL="0" marR="0" lvl="0" indent="0" algn="r" defTabSz="914400" rtl="1" eaLnBrk="1" fontAlgn="auto" latinLnBrk="0" hangingPunct="1">
+                        <a:lnSpc>
+                          <a:spcPct val="100000"/>
+                        </a:lnSpc>
+                        <a:spcBef>
+                          <a:spcPts val="0"/>
+                        </a:spcBef>
+                        <a:spcAft>
+                          <a:spcPts val="0"/>
+                        </a:spcAft>
+                        <a:buClrTx/>
+                        <a:buSzTx/>
+                        <a:buFontTx/>
+                        <a:buNone/>
+                        <a:tabLst/>
+                        <a:defRPr/>
+                      </a:pPr>
+                      <a:r>
+                        <a:rPr lang="he-IL" dirty="0" smtClean="0"/>
+                        <a:t>מתן</a:t>
+                      </a:r>
+                      <a:r>
+                        <a:rPr lang="he-IL" baseline="0" dirty="0" smtClean="0"/>
+                        <a:t> אופציה לרישום משתמשי צד</a:t>
+                      </a:r>
+                      <a:endParaRPr lang="en-US" dirty="0" smtClean="0"/>
+                    </a:p>
+                  </a:txBody>
+                  <a:tcPr/>
+                </a:tc>
+              </a:tr>
+              <a:tr h="0">
+                <a:tc>
+                  <a:txBody>
+                    <a:bodyPr/>
+                    <a:lstStyle/>
+                    <a:p>
+                      <a:pPr algn="ctr"/>
+                      <a:r>
+                        <a:rPr lang="en-US" b="1" dirty="0" smtClean="0">
+                          <a:solidFill>
+                            <a:srgbClr val="006600"/>
+                          </a:solidFill>
+                        </a:rPr>
+                        <a:t>V</a:t>
+                      </a:r>
+                      <a:endParaRPr lang="en-US" b="1" dirty="0">
+                        <a:solidFill>
+                          <a:srgbClr val="006600"/>
+                        </a:solidFill>
+                      </a:endParaRPr>
+                    </a:p>
+                  </a:txBody>
+                  <a:tcPr/>
+                </a:tc>
+                <a:tc>
+                  <a:txBody>
+                    <a:bodyPr/>
+                    <a:lstStyle/>
+                    <a:p>
+                      <a:pPr algn="ctr"/>
+                      <a:r>
+                        <a:rPr lang="en-US" b="1" dirty="0" smtClean="0">
+                          <a:solidFill>
+                            <a:srgbClr val="FF0000"/>
+                          </a:solidFill>
+                        </a:rPr>
+                        <a:t>X</a:t>
+                      </a:r>
+                      <a:endParaRPr lang="en-US" b="1" dirty="0">
+                        <a:solidFill>
+                          <a:srgbClr val="FF0000"/>
+                        </a:solidFill>
+                      </a:endParaRPr>
+                    </a:p>
+                  </a:txBody>
+                  <a:tcPr/>
+                </a:tc>
+                <a:tc>
+                  <a:txBody>
+                    <a:bodyPr/>
+                    <a:lstStyle/>
+                    <a:p>
+                      <a:pPr algn="ctr"/>
+                      <a:r>
+                        <a:rPr lang="en-US" b="1" dirty="0" smtClean="0">
+                          <a:solidFill>
+                            <a:srgbClr val="FF0000"/>
+                          </a:solidFill>
+                        </a:rPr>
+                        <a:t>X</a:t>
+                      </a:r>
+                      <a:endParaRPr lang="en-US" b="1" dirty="0">
+                        <a:solidFill>
+                          <a:srgbClr val="FF0000"/>
+                        </a:solidFill>
+                      </a:endParaRPr>
+                    </a:p>
+                  </a:txBody>
+                  <a:tcPr/>
+                </a:tc>
+                <a:tc>
+                  <a:txBody>
+                    <a:bodyPr/>
+                    <a:lstStyle/>
+                    <a:p>
+                      <a:pPr algn="ctr"/>
+                      <a:r>
+                        <a:rPr lang="en-US" b="1" dirty="0" smtClean="0">
+                          <a:solidFill>
+                            <a:srgbClr val="006600"/>
+                          </a:solidFill>
+                        </a:rPr>
+                        <a:t>V</a:t>
+                      </a:r>
+                      <a:endParaRPr lang="en-US" b="1" dirty="0">
+                        <a:solidFill>
+                          <a:srgbClr val="006600"/>
+                        </a:solidFill>
+                      </a:endParaRPr>
+                    </a:p>
+                  </a:txBody>
+                  <a:tcPr/>
+                </a:tc>
+                <a:tc>
+                  <a:txBody>
+                    <a:bodyPr/>
+                    <a:lstStyle/>
+                    <a:p>
+                      <a:pPr algn="ctr"/>
+                      <a:r>
+                        <a:rPr lang="en-US" b="1" dirty="0" smtClean="0">
+                          <a:solidFill>
+                            <a:srgbClr val="FF0000"/>
+                          </a:solidFill>
+                        </a:rPr>
+                        <a:t>X</a:t>
+                      </a:r>
+                      <a:endParaRPr lang="en-US" b="1" dirty="0">
+                        <a:solidFill>
+                          <a:srgbClr val="FF0000"/>
+                        </a:solidFill>
+                      </a:endParaRPr>
+                    </a:p>
+                  </a:txBody>
+                  <a:tcPr/>
+                </a:tc>
+                <a:tc>
+                  <a:txBody>
+                    <a:bodyPr/>
+                    <a:lstStyle/>
+                    <a:p>
+                      <a:pPr algn="r" rtl="1"/>
+                      <a:r>
+                        <a:rPr lang="he-IL" dirty="0" smtClean="0"/>
+                        <a:t>קטלוג</a:t>
+                      </a:r>
+                      <a:endParaRPr lang="en-US" dirty="0"/>
+                    </a:p>
+                  </a:txBody>
+                  <a:tcPr/>
+                </a:tc>
+              </a:tr>
+            </a:tbl>
+          </a:graphicData>
+        </a:graphic>
+      </p:graphicFrame>
     </p:spTree>
     <p:extLst>
       <p:ext uri="{BB962C8B-B14F-4D97-AF65-F5344CB8AC3E}">
@@ -7020,7 +8007,75 @@
   <p:timing>
     <p:tnLst>
       <p:par>
-        <p:cTn id="1" dur="indefinite" restart="never" nodeType="tmRoot"/>
+        <p:cTn id="1" dur="indefinite" restart="never" nodeType="tmRoot">
+          <p:childTnLst>
+            <p:seq concurrent="1" nextAc="seek">
+              <p:cTn id="2" dur="indefinite" nodeType="mainSeq">
+                <p:childTnLst>
+                  <p:par>
+                    <p:cTn id="3" fill="hold">
+                      <p:stCondLst>
+                        <p:cond delay="indefinite"/>
+                      </p:stCondLst>
+                      <p:childTnLst>
+                        <p:par>
+                          <p:cTn id="4" fill="hold">
+                            <p:stCondLst>
+                              <p:cond delay="0"/>
+                            </p:stCondLst>
+                            <p:childTnLst>
+                              <p:par>
+                                <p:cTn id="5" presetID="1" presetClass="entr" presetSubtype="0" fill="hold" nodeType="clickEffect">
+                                  <p:stCondLst>
+                                    <p:cond delay="0"/>
+                                  </p:stCondLst>
+                                  <p:childTnLst>
+                                    <p:set>
+                                      <p:cBhvr>
+                                        <p:cTn id="6" dur="1" fill="hold">
+                                          <p:stCondLst>
+                                            <p:cond delay="0"/>
+                                          </p:stCondLst>
+                                        </p:cTn>
+                                        <p:tgtEl>
+                                          <p:spTgt spid="4"/>
+                                        </p:tgtEl>
+                                        <p:attrNameLst>
+                                          <p:attrName>style.visibility</p:attrName>
+                                        </p:attrNameLst>
+                                      </p:cBhvr>
+                                      <p:to>
+                                        <p:strVal val="visible"/>
+                                      </p:to>
+                                    </p:set>
+                                  </p:childTnLst>
+                                </p:cTn>
+                              </p:par>
+                            </p:childTnLst>
+                          </p:cTn>
+                        </p:par>
+                      </p:childTnLst>
+                    </p:cTn>
+                  </p:par>
+                </p:childTnLst>
+              </p:cTn>
+              <p:prevCondLst>
+                <p:cond evt="onPrev" delay="0">
+                  <p:tgtEl>
+                    <p:sldTgt/>
+                  </p:tgtEl>
+                </p:cond>
+              </p:prevCondLst>
+              <p:nextCondLst>
+                <p:cond evt="onNext" delay="0">
+                  <p:tgtEl>
+                    <p:sldTgt/>
+                  </p:tgtEl>
+                </p:cond>
+              </p:nextCondLst>
+            </p:seq>
+          </p:childTnLst>
+        </p:cTn>
       </p:par>
     </p:tnLst>
   </p:timing>
@@ -7110,47 +8165,18 @@
                 <a:ea typeface="Arial Unicode MS" panose="020B0604020202020204" pitchFamily="34" charset="-128"/>
                 <a:cs typeface="Arial Unicode MS" panose="020B0604020202020204" pitchFamily="34" charset="-128"/>
               </a:rPr>
-              <a:t> של אירועים הקרובים </a:t>
-            </a:r>
+              <a:t> של אירועים הקרובים אלייך</a:t>
+            </a:r>
+          </a:p>
+          <a:p>
+            <a:pPr algn="r" rtl="1"/>
             <a:r>
               <a:rPr lang="he-IL" sz="3200" dirty="0" smtClean="0">
                 <a:latin typeface="Arial Unicode MS" panose="020B0604020202020204" pitchFamily="34" charset="-128"/>
                 <a:ea typeface="Arial Unicode MS" panose="020B0604020202020204" pitchFamily="34" charset="-128"/>
                 <a:cs typeface="Arial Unicode MS" panose="020B0604020202020204" pitchFamily="34" charset="-128"/>
               </a:rPr>
-              <a:t>אלייך</a:t>
-            </a:r>
-            <a:endParaRPr lang="he-IL" sz="3200" dirty="0" smtClean="0">
-              <a:latin typeface="Arial Unicode MS" panose="020B0604020202020204" pitchFamily="34" charset="-128"/>
-              <a:ea typeface="Arial Unicode MS" panose="020B0604020202020204" pitchFamily="34" charset="-128"/>
-              <a:cs typeface="Arial Unicode MS" panose="020B0604020202020204" pitchFamily="34" charset="-128"/>
-            </a:endParaRPr>
-          </a:p>
-          <a:p>
-            <a:pPr algn="r" rtl="1"/>
-            <a:r>
-              <a:rPr lang="he-IL" sz="3200" dirty="0" smtClean="0">
-                <a:latin typeface="Arial Unicode MS" panose="020B0604020202020204" pitchFamily="34" charset="-128"/>
-                <a:ea typeface="Arial Unicode MS" panose="020B0604020202020204" pitchFamily="34" charset="-128"/>
-                <a:cs typeface="Arial Unicode MS" panose="020B0604020202020204" pitchFamily="34" charset="-128"/>
-              </a:rPr>
-              <a:t>תדרוך תפעול </a:t>
-            </a:r>
-            <a:r>
-              <a:rPr lang="he-IL" sz="3200" dirty="0" smtClean="0">
-                <a:latin typeface="Arial Unicode MS" panose="020B0604020202020204" pitchFamily="34" charset="-128"/>
-                <a:ea typeface="Arial Unicode MS" panose="020B0604020202020204" pitchFamily="34" charset="-128"/>
-                <a:cs typeface="Arial Unicode MS" panose="020B0604020202020204" pitchFamily="34" charset="-128"/>
-              </a:rPr>
-              <a:t>במצב </a:t>
-            </a:r>
-            <a:r>
-              <a:rPr lang="he-IL" sz="3200" dirty="0" smtClean="0">
-                <a:latin typeface="Arial Unicode MS" panose="020B0604020202020204" pitchFamily="34" charset="-128"/>
-                <a:ea typeface="Arial Unicode MS" panose="020B0604020202020204" pitchFamily="34" charset="-128"/>
-                <a:cs typeface="Arial Unicode MS" panose="020B0604020202020204" pitchFamily="34" charset="-128"/>
-              </a:rPr>
-              <a:t>מצוקה</a:t>
+              <a:t>תדרוך תפעול במצב מצוקה</a:t>
             </a:r>
           </a:p>
           <a:p>
@@ -7201,11 +8227,6 @@
               </a:rPr>
               <a:t>סטטיסטיקות על אירועים</a:t>
             </a:r>
-            <a:endParaRPr lang="he-IL" sz="3200" dirty="0" smtClean="0">
-              <a:latin typeface="Arial Unicode MS" panose="020B0604020202020204" pitchFamily="34" charset="-128"/>
-              <a:ea typeface="Arial Unicode MS" panose="020B0604020202020204" pitchFamily="34" charset="-128"/>
-              <a:cs typeface="Arial Unicode MS" panose="020B0604020202020204" pitchFamily="34" charset="-128"/>
-            </a:endParaRPr>
           </a:p>
           <a:p>
             <a:pPr algn="r" rtl="1"/>
@@ -7215,15 +8236,7 @@
                 <a:ea typeface="Arial Unicode MS" panose="020B0604020202020204" pitchFamily="34" charset="-128"/>
                 <a:cs typeface="Arial Unicode MS" panose="020B0604020202020204" pitchFamily="34" charset="-128"/>
               </a:rPr>
-              <a:t>מנגנון סינון </a:t>
-            </a:r>
-            <a:r>
-              <a:rPr lang="he-IL" sz="3200" dirty="0" smtClean="0">
-                <a:latin typeface="Arial Unicode MS" panose="020B0604020202020204" pitchFamily="34" charset="-128"/>
-                <a:ea typeface="Arial Unicode MS" panose="020B0604020202020204" pitchFamily="34" charset="-128"/>
-                <a:cs typeface="Arial Unicode MS" panose="020B0604020202020204" pitchFamily="34" charset="-128"/>
-              </a:rPr>
-              <a:t>ספאם (</a:t>
+              <a:t>מנגנון סינון ספאם (</a:t>
             </a:r>
             <a:r>
               <a:rPr lang="en-US" sz="3200" dirty="0" smtClean="0">
@@ -7241,11 +8254,6 @@
               </a:rPr>
               <a:t>)</a:t>
             </a:r>
-            <a:endParaRPr lang="he-IL" sz="3200" dirty="0" smtClean="0">
-              <a:latin typeface="Arial Unicode MS" panose="020B0604020202020204" pitchFamily="34" charset="-128"/>
-              <a:ea typeface="Arial Unicode MS" panose="020B0604020202020204" pitchFamily="34" charset="-128"/>
-              <a:cs typeface="Arial Unicode MS" panose="020B0604020202020204" pitchFamily="34" charset="-128"/>
-            </a:endParaRPr>
           </a:p>
           <a:p>
             <a:pPr algn="r" rtl="1"/>

--- a/presentation/ON-CALL.pptx
+++ b/presentation/ON-CALL.pptx
@@ -6881,32 +6881,45 @@
               </a:rPr>
               <a:t> </a:t>
             </a:r>
-            <a:r>
-              <a:rPr lang="he-IL" sz="3200" dirty="0">
+            <a:endParaRPr lang="he-IL" sz="3200" dirty="0" smtClean="0">
+              <a:latin typeface="Arial Unicode MS" panose="020B0604020202020204" pitchFamily="34" charset="-128"/>
+              <a:ea typeface="Arial Unicode MS" panose="020B0604020202020204" pitchFamily="34" charset="-128"/>
+              <a:cs typeface="Arial Unicode MS" panose="020B0604020202020204" pitchFamily="34" charset="-128"/>
+            </a:endParaRPr>
+          </a:p>
+          <a:p>
+            <a:pPr algn="r" rtl="1"/>
+            <a:r>
+              <a:rPr lang="en-US" sz="3200" dirty="0" smtClean="0">
                 <a:latin typeface="Arial Unicode MS" panose="020B0604020202020204" pitchFamily="34" charset="-128"/>
                 <a:ea typeface="Arial Unicode MS" panose="020B0604020202020204" pitchFamily="34" charset="-128"/>
                 <a:cs typeface="Arial Unicode MS" panose="020B0604020202020204" pitchFamily="34" charset="-128"/>
               </a:rPr>
-              <a:t>וקטלוג </a:t>
-            </a:r>
+              <a:t>NLP</a:t>
+            </a:r>
+            <a:endParaRPr lang="he-IL" sz="3200" dirty="0" smtClean="0">
+              <a:latin typeface="Arial Unicode MS" panose="020B0604020202020204" pitchFamily="34" charset="-128"/>
+              <a:ea typeface="Arial Unicode MS" panose="020B0604020202020204" pitchFamily="34" charset="-128"/>
+              <a:cs typeface="Arial Unicode MS" panose="020B0604020202020204" pitchFamily="34" charset="-128"/>
+            </a:endParaRPr>
+          </a:p>
+          <a:p>
+            <a:pPr algn="r" rtl="1"/>
             <a:r>
               <a:rPr lang="he-IL" sz="3200" dirty="0" smtClean="0">
                 <a:latin typeface="Arial Unicode MS" panose="020B0604020202020204" pitchFamily="34" charset="-128"/>
                 <a:ea typeface="Arial Unicode MS" panose="020B0604020202020204" pitchFamily="34" charset="-128"/>
                 <a:cs typeface="Arial Unicode MS" panose="020B0604020202020204" pitchFamily="34" charset="-128"/>
               </a:rPr>
-              <a:t>קריאות</a:t>
-            </a:r>
-          </a:p>
-          <a:p>
-            <a:pPr algn="r" rtl="1"/>
+              <a:t>התראות </a:t>
+            </a:r>
             <a:r>
               <a:rPr lang="he-IL" sz="3200" dirty="0" smtClean="0">
                 <a:latin typeface="Arial Unicode MS" panose="020B0604020202020204" pitchFamily="34" charset="-128"/>
                 <a:ea typeface="Arial Unicode MS" panose="020B0604020202020204" pitchFamily="34" charset="-128"/>
                 <a:cs typeface="Arial Unicode MS" panose="020B0604020202020204" pitchFamily="34" charset="-128"/>
               </a:rPr>
-              <a:t>התראות תז"מיות לסובבים</a:t>
+              <a:t>תז"מיות לסובבים</a:t>
             </a:r>
           </a:p>
           <a:p>
@@ -6991,14 +7004,14 @@
           <p:nvPr>
             <p:extLst>
               <p:ext uri="{D42A27DB-BD31-4B8C-83A1-F6EECF244321}">
-                <p14:modId xmlns:p14="http://schemas.microsoft.com/office/powerpoint/2010/main" val="1791805080"/>
+                <p14:modId xmlns:p14="http://schemas.microsoft.com/office/powerpoint/2010/main" val="2264772273"/>
               </p:ext>
             </p:extLst>
           </p:nvPr>
         </p:nvGraphicFramePr>
         <p:xfrm>
-          <a:off x="2839719" y="2057401"/>
-          <a:ext cx="8722362" cy="3672840"/>
+          <a:off x="685800" y="2194559"/>
+          <a:ext cx="10932162" cy="4158875"/>
         </p:xfrm>
         <a:graphic>
           <a:graphicData uri="http://schemas.openxmlformats.org/drawingml/2006/table">
@@ -7007,14 +7020,14 @@
                 <a:tableStyleId>{D7AC3CCA-C797-4891-BE02-D94E43425B78}</a:tableStyleId>
               </a:tblPr>
               <a:tblGrid>
-                <a:gridCol w="1453727"/>
-                <a:gridCol w="1453727"/>
-                <a:gridCol w="1453727"/>
-                <a:gridCol w="1416813"/>
-                <a:gridCol w="1490641"/>
-                <a:gridCol w="1453727"/>
+                <a:gridCol w="1822027"/>
+                <a:gridCol w="1822027"/>
+                <a:gridCol w="1822027"/>
+                <a:gridCol w="1775761"/>
+                <a:gridCol w="1868293"/>
+                <a:gridCol w="1822027"/>
               </a:tblGrid>
-              <a:tr h="370840">
+              <a:tr h="724783">
                 <a:tc>
                   <a:txBody>
                     <a:bodyPr/>
@@ -7170,7 +7183,7 @@
                   <a:tcPr/>
                 </a:tc>
               </a:tr>
-              <a:tr h="370840">
+              <a:tr h="419914">
                 <a:tc>
                   <a:txBody>
                     <a:bodyPr/>
@@ -7306,7 +7319,7 @@
                   <a:tcPr/>
                 </a:tc>
               </a:tr>
-              <a:tr h="370840">
+              <a:tr h="419914">
                 <a:tc>
                   <a:txBody>
                     <a:bodyPr/>
@@ -7438,7 +7451,7 @@
                   <a:tcPr/>
                 </a:tc>
               </a:tr>
-              <a:tr h="370840">
+              <a:tr h="724783">
                 <a:tc>
                   <a:txBody>
                     <a:bodyPr/>
@@ -7574,7 +7587,7 @@
                   <a:tcPr/>
                 </a:tc>
               </a:tr>
-              <a:tr h="370840">
+              <a:tr h="419914">
                 <a:tc>
                   <a:txBody>
                     <a:bodyPr/>
@@ -7706,7 +7719,7 @@
                   <a:tcPr/>
                 </a:tc>
               </a:tr>
-              <a:tr h="370840">
+              <a:tr h="1035405">
                 <a:tc>
                   <a:txBody>
                     <a:bodyPr/>
@@ -7858,7 +7871,7 @@
                   <a:tcPr/>
                 </a:tc>
               </a:tr>
-              <a:tr h="0">
+              <a:tr h="414162">
                 <a:tc>
                   <a:txBody>
                     <a:bodyPr/>
@@ -8152,6 +8165,30 @@
           <a:p>
             <a:pPr algn="r" rtl="1"/>
             <a:r>
+              <a:rPr lang="he-IL" sz="3200" dirty="0">
+                <a:latin typeface="Arial Unicode MS" panose="020B0604020202020204" pitchFamily="34" charset="-128"/>
+                <a:ea typeface="Arial Unicode MS" panose="020B0604020202020204" pitchFamily="34" charset="-128"/>
+                <a:cs typeface="Arial Unicode MS" panose="020B0604020202020204" pitchFamily="34" charset="-128"/>
+              </a:rPr>
+              <a:t>תדרוך תפעול במצב </a:t>
+            </a:r>
+            <a:r>
+              <a:rPr lang="he-IL" sz="3200" dirty="0" smtClean="0">
+                <a:latin typeface="Arial Unicode MS" panose="020B0604020202020204" pitchFamily="34" charset="-128"/>
+                <a:ea typeface="Arial Unicode MS" panose="020B0604020202020204" pitchFamily="34" charset="-128"/>
+                <a:cs typeface="Arial Unicode MS" panose="020B0604020202020204" pitchFamily="34" charset="-128"/>
+              </a:rPr>
+              <a:t>מצוקה</a:t>
+            </a:r>
+            <a:endParaRPr lang="he-IL" sz="3200" dirty="0" smtClean="0">
+              <a:latin typeface="Arial Unicode MS" panose="020B0604020202020204" pitchFamily="34" charset="-128"/>
+              <a:ea typeface="Arial Unicode MS" panose="020B0604020202020204" pitchFamily="34" charset="-128"/>
+              <a:cs typeface="Arial Unicode MS" panose="020B0604020202020204" pitchFamily="34" charset="-128"/>
+            </a:endParaRPr>
+          </a:p>
+          <a:p>
+            <a:pPr algn="r" rtl="1"/>
+            <a:r>
               <a:rPr lang="en-US" sz="3200" dirty="0" smtClean="0">
                 <a:latin typeface="Arial Unicode MS" panose="020B0604020202020204" pitchFamily="34" charset="-128"/>
                 <a:ea typeface="Arial Unicode MS" panose="020B0604020202020204" pitchFamily="34" charset="-128"/>
@@ -8176,18 +8213,15 @@
                 <a:ea typeface="Arial Unicode MS" panose="020B0604020202020204" pitchFamily="34" charset="-128"/>
                 <a:cs typeface="Arial Unicode MS" panose="020B0604020202020204" pitchFamily="34" charset="-128"/>
               </a:rPr>
-              <a:t>תדרוך תפעול במצב מצוקה</a:t>
-            </a:r>
-          </a:p>
-          <a:p>
-            <a:pPr algn="r" rtl="1"/>
+              <a:t>עמוד </a:t>
+            </a:r>
             <a:r>
               <a:rPr lang="he-IL" sz="3200" dirty="0" smtClean="0">
                 <a:latin typeface="Arial Unicode MS" panose="020B0604020202020204" pitchFamily="34" charset="-128"/>
                 <a:ea typeface="Arial Unicode MS" panose="020B0604020202020204" pitchFamily="34" charset="-128"/>
                 <a:cs typeface="Arial Unicode MS" panose="020B0604020202020204" pitchFamily="34" charset="-128"/>
               </a:rPr>
-              <a:t>עמוד אירוע מפורט עם </a:t>
+              <a:t>אירוע מפורט עם </a:t>
             </a:r>
             <a:r>
               <a:rPr lang="en-US" sz="3200" dirty="0" smtClean="0">
